--- a/src/updated figure.pptx
+++ b/src/updated figure.pptx
@@ -9,6 +9,10 @@
     <p:sldId id="258" r:id="rId3"/>
     <p:sldId id="260" r:id="rId4"/>
     <p:sldId id="261" r:id="rId5"/>
+    <p:sldId id="262" r:id="rId6"/>
+    <p:sldId id="265" r:id="rId7"/>
+    <p:sldId id="263" r:id="rId8"/>
+    <p:sldId id="264" r:id="rId9"/>
   </p:sldIdLst>
   <p:sldSz cx="12192000" cy="6858000"/>
   <p:notesSz cx="6858000" cy="9144000"/>
@@ -107,6 +111,11 @@
       </a:defRPr>
     </a:lvl9pPr>
   </p:defaultTextStyle>
+  <p:extLst>
+    <p:ext uri="{EFAFB233-063F-42B5-8137-9DF3F51BA10A}">
+      <p15:sldGuideLst xmlns:p15="http://schemas.microsoft.com/office/powerpoint/2012/main"/>
+    </p:ext>
+  </p:extLst>
 </p:presentation>
 </file>
 
@@ -259,7 +268,7 @@
           <a:p>
             <a:fld id="{C9EED5D3-A4FF-439A-AF2F-B504A885FB7A}" type="datetimeFigureOut">
               <a:rPr lang="en-SG" smtClean="0"/>
-              <a:t>16/5/2024</a:t>
+              <a:t>26/5/2024</a:t>
             </a:fld>
             <a:endParaRPr lang="en-SG"/>
           </a:p>
@@ -459,7 +468,7 @@
           <a:p>
             <a:fld id="{C9EED5D3-A4FF-439A-AF2F-B504A885FB7A}" type="datetimeFigureOut">
               <a:rPr lang="en-SG" smtClean="0"/>
-              <a:t>16/5/2024</a:t>
+              <a:t>26/5/2024</a:t>
             </a:fld>
             <a:endParaRPr lang="en-SG"/>
           </a:p>
@@ -669,7 +678,7 @@
           <a:p>
             <a:fld id="{C9EED5D3-A4FF-439A-AF2F-B504A885FB7A}" type="datetimeFigureOut">
               <a:rPr lang="en-SG" smtClean="0"/>
-              <a:t>16/5/2024</a:t>
+              <a:t>26/5/2024</a:t>
             </a:fld>
             <a:endParaRPr lang="en-SG"/>
           </a:p>
@@ -869,7 +878,7 @@
           <a:p>
             <a:fld id="{C9EED5D3-A4FF-439A-AF2F-B504A885FB7A}" type="datetimeFigureOut">
               <a:rPr lang="en-SG" smtClean="0"/>
-              <a:t>16/5/2024</a:t>
+              <a:t>26/5/2024</a:t>
             </a:fld>
             <a:endParaRPr lang="en-SG"/>
           </a:p>
@@ -1145,7 +1154,7 @@
           <a:p>
             <a:fld id="{C9EED5D3-A4FF-439A-AF2F-B504A885FB7A}" type="datetimeFigureOut">
               <a:rPr lang="en-SG" smtClean="0"/>
-              <a:t>16/5/2024</a:t>
+              <a:t>26/5/2024</a:t>
             </a:fld>
             <a:endParaRPr lang="en-SG"/>
           </a:p>
@@ -1413,7 +1422,7 @@
           <a:p>
             <a:fld id="{C9EED5D3-A4FF-439A-AF2F-B504A885FB7A}" type="datetimeFigureOut">
               <a:rPr lang="en-SG" smtClean="0"/>
-              <a:t>16/5/2024</a:t>
+              <a:t>26/5/2024</a:t>
             </a:fld>
             <a:endParaRPr lang="en-SG"/>
           </a:p>
@@ -1828,7 +1837,7 @@
           <a:p>
             <a:fld id="{C9EED5D3-A4FF-439A-AF2F-B504A885FB7A}" type="datetimeFigureOut">
               <a:rPr lang="en-SG" smtClean="0"/>
-              <a:t>16/5/2024</a:t>
+              <a:t>26/5/2024</a:t>
             </a:fld>
             <a:endParaRPr lang="en-SG"/>
           </a:p>
@@ -1970,7 +1979,7 @@
           <a:p>
             <a:fld id="{C9EED5D3-A4FF-439A-AF2F-B504A885FB7A}" type="datetimeFigureOut">
               <a:rPr lang="en-SG" smtClean="0"/>
-              <a:t>16/5/2024</a:t>
+              <a:t>26/5/2024</a:t>
             </a:fld>
             <a:endParaRPr lang="en-SG"/>
           </a:p>
@@ -2083,7 +2092,7 @@
           <a:p>
             <a:fld id="{C9EED5D3-A4FF-439A-AF2F-B504A885FB7A}" type="datetimeFigureOut">
               <a:rPr lang="en-SG" smtClean="0"/>
-              <a:t>16/5/2024</a:t>
+              <a:t>26/5/2024</a:t>
             </a:fld>
             <a:endParaRPr lang="en-SG"/>
           </a:p>
@@ -2396,7 +2405,7 @@
           <a:p>
             <a:fld id="{C9EED5D3-A4FF-439A-AF2F-B504A885FB7A}" type="datetimeFigureOut">
               <a:rPr lang="en-SG" smtClean="0"/>
-              <a:t>16/5/2024</a:t>
+              <a:t>26/5/2024</a:t>
             </a:fld>
             <a:endParaRPr lang="en-SG"/>
           </a:p>
@@ -2685,7 +2694,7 @@
           <a:p>
             <a:fld id="{C9EED5D3-A4FF-439A-AF2F-B504A885FB7A}" type="datetimeFigureOut">
               <a:rPr lang="en-SG" smtClean="0"/>
-              <a:t>16/5/2024</a:t>
+              <a:t>26/5/2024</a:t>
             </a:fld>
             <a:endParaRPr lang="en-SG"/>
           </a:p>
@@ -2928,7 +2937,7 @@
           <a:p>
             <a:fld id="{C9EED5D3-A4FF-439A-AF2F-B504A885FB7A}" type="datetimeFigureOut">
               <a:rPr lang="en-SG" smtClean="0"/>
-              <a:t>16/5/2024</a:t>
+              <a:t>26/5/2024</a:t>
             </a:fld>
             <a:endParaRPr lang="en-SG"/>
           </a:p>
@@ -3768,8 +3777,8 @@
           </a:prstGeom>
         </p:spPr>
       </p:pic>
-      <mc:AlternateContent xmlns:mc="http://schemas.openxmlformats.org/markup-compatibility/2006">
-        <mc:Choice xmlns:a14="http://schemas.microsoft.com/office/drawing/2010/main" Requires="a14">
+      <mc:AlternateContent xmlns:mc="http://schemas.openxmlformats.org/markup-compatibility/2006" xmlns:a14="http://schemas.microsoft.com/office/drawing/2010/main">
+        <mc:Choice Requires="a14">
           <p:sp>
             <p:nvSpPr>
               <p:cNvPr id="6" name="Rectangle 5">
@@ -3866,7 +3875,7 @@
             </p:txBody>
           </p:sp>
         </mc:Choice>
-        <mc:Fallback>
+        <mc:Fallback xmlns="">
           <p:sp>
             <p:nvSpPr>
               <p:cNvPr id="6" name="Rectangle 5">
@@ -4072,8 +4081,8 @@
           </a:p>
         </p:txBody>
       </p:sp>
-      <mc:AlternateContent xmlns:mc="http://schemas.openxmlformats.org/markup-compatibility/2006">
-        <mc:Choice xmlns:a14="http://schemas.microsoft.com/office/drawing/2010/main" Requires="a14">
+      <mc:AlternateContent xmlns:mc="http://schemas.openxmlformats.org/markup-compatibility/2006" xmlns:a14="http://schemas.microsoft.com/office/drawing/2010/main">
+        <mc:Choice Requires="a14">
           <p:sp>
             <p:nvSpPr>
               <p:cNvPr id="15" name="Rectangle 14">
@@ -4185,7 +4194,7 @@
             </p:txBody>
           </p:sp>
         </mc:Choice>
-        <mc:Fallback>
+        <mc:Fallback xmlns="">
           <p:sp>
             <p:nvSpPr>
               <p:cNvPr id="15" name="Rectangle 14">
@@ -4351,6 +4360,42 @@
           </a:p>
         </p:txBody>
       </p:sp>
+      <p:sp>
+        <p:nvSpPr>
+          <p:cNvPr id="2" name="TextBox 1">
+            <a:extLst>
+              <a:ext uri="{FF2B5EF4-FFF2-40B4-BE49-F238E27FC236}">
+                <a16:creationId xmlns:a16="http://schemas.microsoft.com/office/drawing/2014/main" id="{FD4918E2-94CD-147E-DD7A-643EB8A756EC}"/>
+              </a:ext>
+            </a:extLst>
+          </p:cNvPr>
+          <p:cNvSpPr txBox="1"/>
+          <p:nvPr/>
+        </p:nvSpPr>
+        <p:spPr>
+          <a:xfrm>
+            <a:off x="718734" y="1423036"/>
+            <a:ext cx="1455591" cy="369332"/>
+          </a:xfrm>
+          <a:prstGeom prst="rect">
+            <a:avLst/>
+          </a:prstGeom>
+          <a:noFill/>
+        </p:spPr>
+        <p:txBody>
+          <a:bodyPr wrap="none" rtlCol="0">
+            <a:spAutoFit/>
+          </a:bodyPr>
+          <a:lstStyle/>
+          <a:p>
+            <a:r>
+              <a:rPr lang="en-SG" dirty="0" err="1"/>
+              <a:t>Unormalized</a:t>
+            </a:r>
+            <a:endParaRPr lang="en-SG" dirty="0"/>
+          </a:p>
+        </p:txBody>
+      </p:sp>
     </p:spTree>
     <p:extLst>
       <p:ext uri="{BB962C8B-B14F-4D97-AF65-F5344CB8AC3E}">
@@ -4463,10 +4508,5118 @@
           </a:p>
         </p:txBody>
       </p:sp>
+      <p:sp>
+        <p:nvSpPr>
+          <p:cNvPr id="2" name="TextBox 1">
+            <a:extLst>
+              <a:ext uri="{FF2B5EF4-FFF2-40B4-BE49-F238E27FC236}">
+                <a16:creationId xmlns:a16="http://schemas.microsoft.com/office/drawing/2014/main" id="{7E854A22-F266-D6B1-A2A4-CAF997764FC9}"/>
+              </a:ext>
+            </a:extLst>
+          </p:cNvPr>
+          <p:cNvSpPr txBox="1"/>
+          <p:nvPr/>
+        </p:nvSpPr>
+        <p:spPr>
+          <a:xfrm>
+            <a:off x="9926875" y="723184"/>
+            <a:ext cx="1335366" cy="369332"/>
+          </a:xfrm>
+          <a:prstGeom prst="rect">
+            <a:avLst/>
+          </a:prstGeom>
+          <a:noFill/>
+        </p:spPr>
+        <p:txBody>
+          <a:bodyPr wrap="none" rtlCol="0">
+            <a:spAutoFit/>
+          </a:bodyPr>
+          <a:lstStyle/>
+          <a:p>
+            <a:r>
+              <a:rPr lang="en-SG" dirty="0"/>
+              <a:t>Normalized</a:t>
+            </a:r>
+          </a:p>
+        </p:txBody>
+      </p:sp>
     </p:spTree>
     <p:extLst>
       <p:ext uri="{BB962C8B-B14F-4D97-AF65-F5344CB8AC3E}">
         <p14:creationId xmlns:p14="http://schemas.microsoft.com/office/powerpoint/2010/main" val="3975614312"/>
+      </p:ext>
+    </p:extLst>
+  </p:cSld>
+  <p:clrMapOvr>
+    <a:masterClrMapping/>
+  </p:clrMapOvr>
+</p:sld>
+</file>
+
+<file path=ppt/slides/slide5.xml><?xml version="1.0" encoding="utf-8"?>
+<p:sld xmlns:a="http://schemas.openxmlformats.org/drawingml/2006/main" xmlns:r="http://schemas.openxmlformats.org/officeDocument/2006/relationships" xmlns:p="http://schemas.openxmlformats.org/presentationml/2006/main">
+  <p:cSld>
+    <p:spTree>
+      <p:nvGrpSpPr>
+        <p:cNvPr id="1" name=""/>
+        <p:cNvGrpSpPr/>
+        <p:nvPr/>
+      </p:nvGrpSpPr>
+      <p:grpSpPr>
+        <a:xfrm>
+          <a:off x="0" y="0"/>
+          <a:ext cx="0" cy="0"/>
+          <a:chOff x="0" y="0"/>
+          <a:chExt cx="0" cy="0"/>
+        </a:xfrm>
+      </p:grpSpPr>
+      <p:graphicFrame>
+        <p:nvGraphicFramePr>
+          <p:cNvPr id="4" name="Table 3">
+            <a:extLst>
+              <a:ext uri="{FF2B5EF4-FFF2-40B4-BE49-F238E27FC236}">
+                <a16:creationId xmlns:a16="http://schemas.microsoft.com/office/drawing/2014/main" id="{C7F76C85-CE5B-1669-6678-F5BEBB56217B}"/>
+              </a:ext>
+            </a:extLst>
+          </p:cNvPr>
+          <p:cNvGraphicFramePr>
+            <a:graphicFrameLocks noGrp="1"/>
+          </p:cNvGraphicFramePr>
+          <p:nvPr>
+            <p:extLst>
+              <p:ext uri="{D42A27DB-BD31-4B8C-83A1-F6EECF244321}">
+                <p14:modId xmlns:p14="http://schemas.microsoft.com/office/powerpoint/2010/main" val="1900251819"/>
+              </p:ext>
+            </p:extLst>
+          </p:nvPr>
+        </p:nvGraphicFramePr>
+        <p:xfrm>
+          <a:off x="1747329" y="1763462"/>
+          <a:ext cx="2108680" cy="3337560"/>
+        </p:xfrm>
+        <a:graphic>
+          <a:graphicData uri="http://schemas.openxmlformats.org/drawingml/2006/table">
+            <a:tbl>
+              <a:tblPr firstRow="1" bandRow="1">
+                <a:tableStyleId>{5940675A-B579-460E-94D1-54222C63F5DA}</a:tableStyleId>
+              </a:tblPr>
+              <a:tblGrid>
+                <a:gridCol w="1054340">
+                  <a:extLst>
+                    <a:ext uri="{9D8B030D-6E8A-4147-A177-3AD203B41FA5}">
+                      <a16:colId xmlns:a16="http://schemas.microsoft.com/office/drawing/2014/main" val="1313088508"/>
+                    </a:ext>
+                  </a:extLst>
+                </a:gridCol>
+                <a:gridCol w="1054340">
+                  <a:extLst>
+                    <a:ext uri="{9D8B030D-6E8A-4147-A177-3AD203B41FA5}">
+                      <a16:colId xmlns:a16="http://schemas.microsoft.com/office/drawing/2014/main" val="3252596915"/>
+                    </a:ext>
+                  </a:extLst>
+                </a:gridCol>
+              </a:tblGrid>
+              <a:tr h="370840">
+                <a:tc>
+                  <a:txBody>
+                    <a:bodyPr/>
+                    <a:lstStyle/>
+                    <a:p>
+                      <a:r>
+                        <a:rPr lang="en-US" dirty="0"/>
+                        <a:t>C</a:t>
+                      </a:r>
+                      <a:endParaRPr lang="en-SG" dirty="0"/>
+                    </a:p>
+                  </a:txBody>
+                  <a:tcPr/>
+                </a:tc>
+                <a:tc>
+                  <a:txBody>
+                    <a:bodyPr/>
+                    <a:lstStyle/>
+                    <a:p>
+                      <a:r>
+                        <a:rPr lang="en-US" dirty="0"/>
+                        <a:t>8</a:t>
+                      </a:r>
+                      <a:endParaRPr lang="en-SG" dirty="0"/>
+                    </a:p>
+                  </a:txBody>
+                  <a:tcPr/>
+                </a:tc>
+                <a:extLst>
+                  <a:ext uri="{0D108BD9-81ED-4DB2-BD59-A6C34878D82A}">
+                    <a16:rowId xmlns:a16="http://schemas.microsoft.com/office/drawing/2014/main" val="1747954994"/>
+                  </a:ext>
+                </a:extLst>
+              </a:tr>
+              <a:tr h="370840">
+                <a:tc>
+                  <a:txBody>
+                    <a:bodyPr/>
+                    <a:lstStyle/>
+                    <a:p>
+                      <a:r>
+                        <a:rPr lang="en-US" dirty="0"/>
+                        <a:t>F</a:t>
+                      </a:r>
+                      <a:endParaRPr lang="en-SG" dirty="0"/>
+                    </a:p>
+                  </a:txBody>
+                  <a:tcPr/>
+                </a:tc>
+                <a:tc>
+                  <a:txBody>
+                    <a:bodyPr/>
+                    <a:lstStyle/>
+                    <a:p>
+                      <a:r>
+                        <a:rPr lang="en-US" dirty="0"/>
+                        <a:t>13.5</a:t>
+                      </a:r>
+                      <a:endParaRPr lang="en-SG" dirty="0"/>
+                    </a:p>
+                  </a:txBody>
+                  <a:tcPr/>
+                </a:tc>
+                <a:extLst>
+                  <a:ext uri="{0D108BD9-81ED-4DB2-BD59-A6C34878D82A}">
+                    <a16:rowId xmlns:a16="http://schemas.microsoft.com/office/drawing/2014/main" val="1342095360"/>
+                  </a:ext>
+                </a:extLst>
+              </a:tr>
+              <a:tr h="370840">
+                <a:tc>
+                  <a:txBody>
+                    <a:bodyPr/>
+                    <a:lstStyle/>
+                    <a:p>
+                      <a:r>
+                        <a:rPr lang="en-US" dirty="0"/>
+                        <a:t>I</a:t>
+                      </a:r>
+                      <a:endParaRPr lang="en-SG" dirty="0"/>
+                    </a:p>
+                  </a:txBody>
+                  <a:tcPr/>
+                </a:tc>
+                <a:tc>
+                  <a:txBody>
+                    <a:bodyPr/>
+                    <a:lstStyle/>
+                    <a:p>
+                      <a:r>
+                        <a:rPr lang="en-US" dirty="0"/>
+                        <a:t>7</a:t>
+                      </a:r>
+                      <a:endParaRPr lang="en-SG" dirty="0"/>
+                    </a:p>
+                  </a:txBody>
+                  <a:tcPr/>
+                </a:tc>
+                <a:extLst>
+                  <a:ext uri="{0D108BD9-81ED-4DB2-BD59-A6C34878D82A}">
+                    <a16:rowId xmlns:a16="http://schemas.microsoft.com/office/drawing/2014/main" val="566672358"/>
+                  </a:ext>
+                </a:extLst>
+              </a:tr>
+              <a:tr h="370840">
+                <a:tc>
+                  <a:txBody>
+                    <a:bodyPr/>
+                    <a:lstStyle/>
+                    <a:p>
+                      <a:r>
+                        <a:rPr lang="en-US" dirty="0"/>
+                        <a:t>K</a:t>
+                      </a:r>
+                      <a:endParaRPr lang="en-SG" dirty="0"/>
+                    </a:p>
+                  </a:txBody>
+                  <a:tcPr/>
+                </a:tc>
+                <a:tc>
+                  <a:txBody>
+                    <a:bodyPr/>
+                    <a:lstStyle/>
+                    <a:p>
+                      <a:r>
+                        <a:rPr lang="en-US" dirty="0"/>
+                        <a:t>11.25</a:t>
+                      </a:r>
+                      <a:endParaRPr lang="en-SG" dirty="0"/>
+                    </a:p>
+                  </a:txBody>
+                  <a:tcPr/>
+                </a:tc>
+                <a:extLst>
+                  <a:ext uri="{0D108BD9-81ED-4DB2-BD59-A6C34878D82A}">
+                    <a16:rowId xmlns:a16="http://schemas.microsoft.com/office/drawing/2014/main" val="4267606346"/>
+                  </a:ext>
+                </a:extLst>
+              </a:tr>
+              <a:tr h="370840">
+                <a:tc>
+                  <a:txBody>
+                    <a:bodyPr/>
+                    <a:lstStyle/>
+                    <a:p>
+                      <a:r>
+                        <a:rPr lang="en-US" dirty="0"/>
+                        <a:t>L</a:t>
+                      </a:r>
+                      <a:endParaRPr lang="en-SG" dirty="0"/>
+                    </a:p>
+                  </a:txBody>
+                  <a:tcPr/>
+                </a:tc>
+                <a:tc>
+                  <a:txBody>
+                    <a:bodyPr/>
+                    <a:lstStyle/>
+                    <a:p>
+                      <a:r>
+                        <a:rPr lang="en-US" dirty="0"/>
+                        <a:t>15</a:t>
+                      </a:r>
+                      <a:endParaRPr lang="en-SG" dirty="0"/>
+                    </a:p>
+                  </a:txBody>
+                  <a:tcPr/>
+                </a:tc>
+                <a:extLst>
+                  <a:ext uri="{0D108BD9-81ED-4DB2-BD59-A6C34878D82A}">
+                    <a16:rowId xmlns:a16="http://schemas.microsoft.com/office/drawing/2014/main" val="3770465999"/>
+                  </a:ext>
+                </a:extLst>
+              </a:tr>
+              <a:tr h="370840">
+                <a:tc>
+                  <a:txBody>
+                    <a:bodyPr/>
+                    <a:lstStyle/>
+                    <a:p>
+                      <a:r>
+                        <a:rPr lang="en-US" dirty="0"/>
+                        <a:t>P</a:t>
+                      </a:r>
+                      <a:endParaRPr lang="en-SG" dirty="0"/>
+                    </a:p>
+                  </a:txBody>
+                  <a:tcPr/>
+                </a:tc>
+                <a:tc>
+                  <a:txBody>
+                    <a:bodyPr/>
+                    <a:lstStyle/>
+                    <a:p>
+                      <a:r>
+                        <a:rPr lang="en-US" dirty="0"/>
+                        <a:t>2</a:t>
+                      </a:r>
+                      <a:endParaRPr lang="en-SG" dirty="0"/>
+                    </a:p>
+                  </a:txBody>
+                  <a:tcPr/>
+                </a:tc>
+                <a:extLst>
+                  <a:ext uri="{0D108BD9-81ED-4DB2-BD59-A6C34878D82A}">
+                    <a16:rowId xmlns:a16="http://schemas.microsoft.com/office/drawing/2014/main" val="1929397104"/>
+                  </a:ext>
+                </a:extLst>
+              </a:tr>
+              <a:tr h="370840">
+                <a:tc>
+                  <a:txBody>
+                    <a:bodyPr/>
+                    <a:lstStyle/>
+                    <a:p>
+                      <a:r>
+                        <a:rPr lang="en-US" dirty="0"/>
+                        <a:t>R</a:t>
+                      </a:r>
+                      <a:endParaRPr lang="en-SG" dirty="0"/>
+                    </a:p>
+                  </a:txBody>
+                  <a:tcPr/>
+                </a:tc>
+                <a:tc>
+                  <a:txBody>
+                    <a:bodyPr/>
+                    <a:lstStyle/>
+                    <a:p>
+                      <a:r>
+                        <a:rPr lang="en-US" dirty="0"/>
+                        <a:t>5</a:t>
+                      </a:r>
+                      <a:endParaRPr lang="en-SG" dirty="0"/>
+                    </a:p>
+                  </a:txBody>
+                  <a:tcPr/>
+                </a:tc>
+                <a:extLst>
+                  <a:ext uri="{0D108BD9-81ED-4DB2-BD59-A6C34878D82A}">
+                    <a16:rowId xmlns:a16="http://schemas.microsoft.com/office/drawing/2014/main" val="693709134"/>
+                  </a:ext>
+                </a:extLst>
+              </a:tr>
+              <a:tr h="370840">
+                <a:tc>
+                  <a:txBody>
+                    <a:bodyPr/>
+                    <a:lstStyle/>
+                    <a:p>
+                      <a:r>
+                        <a:rPr lang="en-US" dirty="0"/>
+                        <a:t>S</a:t>
+                      </a:r>
+                      <a:endParaRPr lang="en-SG" dirty="0"/>
+                    </a:p>
+                  </a:txBody>
+                  <a:tcPr/>
+                </a:tc>
+                <a:tc>
+                  <a:txBody>
+                    <a:bodyPr/>
+                    <a:lstStyle/>
+                    <a:p>
+                      <a:r>
+                        <a:rPr lang="en-US" dirty="0"/>
+                        <a:t>14</a:t>
+                      </a:r>
+                      <a:endParaRPr lang="en-SG" dirty="0"/>
+                    </a:p>
+                  </a:txBody>
+                  <a:tcPr/>
+                </a:tc>
+                <a:extLst>
+                  <a:ext uri="{0D108BD9-81ED-4DB2-BD59-A6C34878D82A}">
+                    <a16:rowId xmlns:a16="http://schemas.microsoft.com/office/drawing/2014/main" val="1008719800"/>
+                  </a:ext>
+                </a:extLst>
+              </a:tr>
+              <a:tr h="370840">
+                <a:tc>
+                  <a:txBody>
+                    <a:bodyPr/>
+                    <a:lstStyle/>
+                    <a:p>
+                      <a:r>
+                        <a:rPr lang="en-US" dirty="0"/>
+                        <a:t>W</a:t>
+                      </a:r>
+                      <a:endParaRPr lang="en-SG" dirty="0"/>
+                    </a:p>
+                  </a:txBody>
+                  <a:tcPr/>
+                </a:tc>
+                <a:tc>
+                  <a:txBody>
+                    <a:bodyPr/>
+                    <a:lstStyle/>
+                    <a:p>
+                      <a:r>
+                        <a:rPr lang="en-US" dirty="0"/>
+                        <a:t>5</a:t>
+                      </a:r>
+                      <a:endParaRPr lang="en-SG" dirty="0"/>
+                    </a:p>
+                  </a:txBody>
+                  <a:tcPr/>
+                </a:tc>
+                <a:extLst>
+                  <a:ext uri="{0D108BD9-81ED-4DB2-BD59-A6C34878D82A}">
+                    <a16:rowId xmlns:a16="http://schemas.microsoft.com/office/drawing/2014/main" val="3006146767"/>
+                  </a:ext>
+                </a:extLst>
+              </a:tr>
+            </a:tbl>
+          </a:graphicData>
+        </a:graphic>
+      </p:graphicFrame>
+      <mc:AlternateContent xmlns:mc="http://schemas.openxmlformats.org/markup-compatibility/2006">
+        <mc:Choice xmlns:a14="http://schemas.microsoft.com/office/drawing/2010/main" Requires="a14">
+          <p:graphicFrame>
+            <p:nvGraphicFramePr>
+              <p:cNvPr id="8" name="Table 7">
+                <a:extLst>
+                  <a:ext uri="{FF2B5EF4-FFF2-40B4-BE49-F238E27FC236}">
+                    <a16:creationId xmlns:a16="http://schemas.microsoft.com/office/drawing/2014/main" id="{CDB133F4-4955-8CB0-D6C6-99FCFCDF8334}"/>
+                  </a:ext>
+                </a:extLst>
+              </p:cNvPr>
+              <p:cNvGraphicFramePr>
+                <a:graphicFrameLocks noGrp="1"/>
+              </p:cNvGraphicFramePr>
+              <p:nvPr>
+                <p:extLst>
+                  <p:ext uri="{D42A27DB-BD31-4B8C-83A1-F6EECF244321}">
+                    <p14:modId xmlns:p14="http://schemas.microsoft.com/office/powerpoint/2010/main" val="3314355387"/>
+                  </p:ext>
+                </p:extLst>
+              </p:nvPr>
+            </p:nvGraphicFramePr>
+            <p:xfrm>
+              <a:off x="5992484" y="953985"/>
+              <a:ext cx="3962399" cy="5090160"/>
+            </p:xfrm>
+            <a:graphic>
+              <a:graphicData uri="http://schemas.openxmlformats.org/drawingml/2006/table">
+                <a:tbl>
+                  <a:tblPr firstRow="1" bandRow="1">
+                    <a:tableStyleId>{5940675A-B579-460E-94D1-54222C63F5DA}</a:tableStyleId>
+                  </a:tblPr>
+                  <a:tblGrid>
+                    <a:gridCol w="891395">
+                      <a:extLst>
+                        <a:ext uri="{9D8B030D-6E8A-4147-A177-3AD203B41FA5}">
+                          <a16:colId xmlns:a16="http://schemas.microsoft.com/office/drawing/2014/main" val="1313088508"/>
+                        </a:ext>
+                      </a:extLst>
+                    </a:gridCol>
+                    <a:gridCol w="1155940">
+                      <a:extLst>
+                        <a:ext uri="{9D8B030D-6E8A-4147-A177-3AD203B41FA5}">
+                          <a16:colId xmlns:a16="http://schemas.microsoft.com/office/drawing/2014/main" val="3252596915"/>
+                        </a:ext>
+                      </a:extLst>
+                    </a:gridCol>
+                    <a:gridCol w="1915064">
+                      <a:extLst>
+                        <a:ext uri="{9D8B030D-6E8A-4147-A177-3AD203B41FA5}">
+                          <a16:colId xmlns:a16="http://schemas.microsoft.com/office/drawing/2014/main" val="2104995432"/>
+                        </a:ext>
+                      </a:extLst>
+                    </a:gridCol>
+                  </a:tblGrid>
+                  <a:tr h="370840">
+                    <a:tc>
+                      <a:txBody>
+                        <a:bodyPr/>
+                        <a:lstStyle/>
+                        <a:p>
+                          <a:endParaRPr lang="en-SG" dirty="0"/>
+                        </a:p>
+                      </a:txBody>
+                      <a:tcPr/>
+                    </a:tc>
+                    <a:tc>
+                      <a:txBody>
+                        <a:bodyPr/>
+                        <a:lstStyle/>
+                        <a:p>
+                          <a:r>
+                            <a:rPr lang="en-US" dirty="0"/>
+                            <a:t>Times Appeared</a:t>
+                          </a:r>
+                          <a:endParaRPr lang="en-SG" dirty="0"/>
+                        </a:p>
+                      </a:txBody>
+                      <a:tcPr/>
+                    </a:tc>
+                    <a:tc>
+                      <a:txBody>
+                        <a:bodyPr/>
+                        <a:lstStyle/>
+                        <a:p>
+                          <a:r>
+                            <a:rPr lang="en-US" dirty="0"/>
+                            <a:t>Value</a:t>
+                          </a:r>
+                          <a:endParaRPr lang="en-SG" dirty="0"/>
+                        </a:p>
+                      </a:txBody>
+                      <a:tcPr/>
+                    </a:tc>
+                    <a:extLst>
+                      <a:ext uri="{0D108BD9-81ED-4DB2-BD59-A6C34878D82A}">
+                        <a16:rowId xmlns:a16="http://schemas.microsoft.com/office/drawing/2014/main" val="353177901"/>
+                      </a:ext>
+                    </a:extLst>
+                  </a:tr>
+                  <a:tr h="370840">
+                    <a:tc>
+                      <a:txBody>
+                        <a:bodyPr/>
+                        <a:lstStyle/>
+                        <a:p>
+                          <a:r>
+                            <a:rPr lang="en-US" dirty="0"/>
+                            <a:t>(C, K)</a:t>
+                          </a:r>
+                          <a:endParaRPr lang="en-SG" dirty="0"/>
+                        </a:p>
+                      </a:txBody>
+                      <a:tcPr/>
+                    </a:tc>
+                    <a:tc>
+                      <a:txBody>
+                        <a:bodyPr/>
+                        <a:lstStyle/>
+                        <a:p>
+                          <a:r>
+                            <a:rPr lang="en-US" dirty="0"/>
+                            <a:t>1</a:t>
+                          </a:r>
+                          <a:endParaRPr lang="en-SG" dirty="0"/>
+                        </a:p>
+                      </a:txBody>
+                      <a:tcPr/>
+                    </a:tc>
+                    <a:tc>
+                      <a:txBody>
+                        <a:bodyPr/>
+                        <a:lstStyle/>
+                        <a:p>
+                          <a14:m>
+                            <m:oMathPara xmlns:m="http://schemas.openxmlformats.org/officeDocument/2006/math">
+                              <m:oMathParaPr>
+                                <m:jc m:val="centerGroup"/>
+                              </m:oMathParaPr>
+                              <m:oMath xmlns:m="http://schemas.openxmlformats.org/officeDocument/2006/math">
+                                <m:r>
+                                  <m:rPr>
+                                    <m:nor/>
+                                  </m:rPr>
+                                  <a:rPr lang="en-US" dirty="0" smtClean="0"/>
+                                  <m:t>8</m:t>
+                                </m:r>
+                                <m:r>
+                                  <a:rPr lang="en-US" i="1" dirty="0" smtClean="0">
+                                    <a:latin typeface="Cambria Math" panose="02040503050406030204" pitchFamily="18" charset="0"/>
+                                    <a:ea typeface="Cambria Math" panose="02040503050406030204" pitchFamily="18" charset="0"/>
+                                  </a:rPr>
+                                  <m:t>×</m:t>
+                                </m:r>
+                                <m:r>
+                                  <a:rPr lang="en-US" b="0" i="1" dirty="0" smtClean="0">
+                                    <a:latin typeface="Cambria Math" panose="02040503050406030204" pitchFamily="18" charset="0"/>
+                                    <a:ea typeface="Cambria Math" panose="02040503050406030204" pitchFamily="18" charset="0"/>
+                                  </a:rPr>
+                                  <m:t>11.25=90</m:t>
+                                </m:r>
+                              </m:oMath>
+                            </m:oMathPara>
+                          </a14:m>
+                          <a:endParaRPr lang="en-SG" dirty="0"/>
+                        </a:p>
+                      </a:txBody>
+                      <a:tcPr/>
+                    </a:tc>
+                    <a:extLst>
+                      <a:ext uri="{0D108BD9-81ED-4DB2-BD59-A6C34878D82A}">
+                        <a16:rowId xmlns:a16="http://schemas.microsoft.com/office/drawing/2014/main" val="1747954994"/>
+                      </a:ext>
+                    </a:extLst>
+                  </a:tr>
+                  <a:tr h="370840">
+                    <a:tc>
+                      <a:txBody>
+                        <a:bodyPr/>
+                        <a:lstStyle/>
+                        <a:p>
+                          <a:pPr marL="0" marR="0" lvl="0" indent="0" algn="l" defTabSz="914400" rtl="0" eaLnBrk="1" fontAlgn="auto" latinLnBrk="0" hangingPunct="1">
+                            <a:lnSpc>
+                              <a:spcPct val="100000"/>
+                            </a:lnSpc>
+                            <a:spcBef>
+                              <a:spcPts val="0"/>
+                            </a:spcBef>
+                            <a:spcAft>
+                              <a:spcPts val="0"/>
+                            </a:spcAft>
+                            <a:buClrTx/>
+                            <a:buSzTx/>
+                            <a:buFontTx/>
+                            <a:buNone/>
+                            <a:tabLst/>
+                            <a:defRPr/>
+                          </a:pPr>
+                          <a:r>
+                            <a:rPr lang="en-US" dirty="0"/>
+                            <a:t>(C, R)</a:t>
+                          </a:r>
+                          <a:endParaRPr lang="en-SG" dirty="0"/>
+                        </a:p>
+                      </a:txBody>
+                      <a:tcPr/>
+                    </a:tc>
+                    <a:tc>
+                      <a:txBody>
+                        <a:bodyPr/>
+                        <a:lstStyle/>
+                        <a:p>
+                          <a:r>
+                            <a:rPr lang="en-US" dirty="0"/>
+                            <a:t>2</a:t>
+                          </a:r>
+                          <a:endParaRPr lang="en-SG" dirty="0"/>
+                        </a:p>
+                      </a:txBody>
+                      <a:tcPr/>
+                    </a:tc>
+                    <a:tc>
+                      <a:txBody>
+                        <a:bodyPr/>
+                        <a:lstStyle/>
+                        <a:p>
+                          <a:pPr/>
+                          <a14:m>
+                            <m:oMathPara xmlns:m="http://schemas.openxmlformats.org/officeDocument/2006/math">
+                              <m:oMathParaPr>
+                                <m:jc m:val="centerGroup"/>
+                              </m:oMathParaPr>
+                              <m:oMath xmlns:m="http://schemas.openxmlformats.org/officeDocument/2006/math">
+                                <m:r>
+                                  <m:rPr>
+                                    <m:nor/>
+                                  </m:rPr>
+                                  <a:rPr lang="en-US" dirty="0" smtClean="0"/>
+                                  <m:t>8</m:t>
+                                </m:r>
+                                <m:r>
+                                  <a:rPr lang="en-US" i="1" dirty="0" smtClean="0">
+                                    <a:latin typeface="Cambria Math" panose="02040503050406030204" pitchFamily="18" charset="0"/>
+                                    <a:ea typeface="Cambria Math" panose="02040503050406030204" pitchFamily="18" charset="0"/>
+                                  </a:rPr>
+                                  <m:t>×</m:t>
+                                </m:r>
+                                <m:r>
+                                  <a:rPr lang="en-US" b="0" i="1" dirty="0" smtClean="0">
+                                    <a:latin typeface="Cambria Math" panose="02040503050406030204" pitchFamily="18" charset="0"/>
+                                    <a:ea typeface="Cambria Math" panose="02040503050406030204" pitchFamily="18" charset="0"/>
+                                  </a:rPr>
+                                  <m:t>5</m:t>
+                                </m:r>
+                                <m:r>
+                                  <a:rPr lang="en-US" i="1" dirty="0" smtClean="0">
+                                    <a:latin typeface="Cambria Math" panose="02040503050406030204" pitchFamily="18" charset="0"/>
+                                    <a:ea typeface="Cambria Math" panose="02040503050406030204" pitchFamily="18" charset="0"/>
+                                  </a:rPr>
+                                  <m:t>×</m:t>
+                                </m:r>
+                                <m:r>
+                                  <a:rPr lang="en-US" b="0" i="1" dirty="0" smtClean="0">
+                                    <a:latin typeface="Cambria Math" panose="02040503050406030204" pitchFamily="18" charset="0"/>
+                                    <a:ea typeface="Cambria Math" panose="02040503050406030204" pitchFamily="18" charset="0"/>
+                                  </a:rPr>
+                                  <m:t>4</m:t>
+                                </m:r>
+                                <m:r>
+                                  <a:rPr lang="en-US" b="0" i="1" dirty="0" smtClean="0">
+                                    <a:latin typeface="Cambria Math" panose="02040503050406030204" pitchFamily="18" charset="0"/>
+                                    <a:ea typeface="Cambria Math" panose="02040503050406030204" pitchFamily="18" charset="0"/>
+                                  </a:rPr>
+                                  <m:t>=</m:t>
+                                </m:r>
+                                <m:r>
+                                  <a:rPr lang="en-US" b="0" i="1" dirty="0" smtClean="0">
+                                    <a:latin typeface="Cambria Math" panose="02040503050406030204" pitchFamily="18" charset="0"/>
+                                    <a:ea typeface="Cambria Math" panose="02040503050406030204" pitchFamily="18" charset="0"/>
+                                  </a:rPr>
+                                  <m:t>16</m:t>
+                                </m:r>
+                                <m:r>
+                                  <a:rPr lang="en-US" b="0" i="1" dirty="0" smtClean="0">
+                                    <a:latin typeface="Cambria Math" panose="02040503050406030204" pitchFamily="18" charset="0"/>
+                                    <a:ea typeface="Cambria Math" panose="02040503050406030204" pitchFamily="18" charset="0"/>
+                                  </a:rPr>
+                                  <m:t>0</m:t>
+                                </m:r>
+                              </m:oMath>
+                            </m:oMathPara>
+                          </a14:m>
+                          <a:endParaRPr lang="en-SG" dirty="0"/>
+                        </a:p>
+                      </a:txBody>
+                      <a:tcPr/>
+                    </a:tc>
+                    <a:extLst>
+                      <a:ext uri="{0D108BD9-81ED-4DB2-BD59-A6C34878D82A}">
+                        <a16:rowId xmlns:a16="http://schemas.microsoft.com/office/drawing/2014/main" val="241565200"/>
+                      </a:ext>
+                    </a:extLst>
+                  </a:tr>
+                  <a:tr h="370840">
+                    <a:tc>
+                      <a:txBody>
+                        <a:bodyPr/>
+                        <a:lstStyle/>
+                        <a:p>
+                          <a:r>
+                            <a:rPr lang="en-US" dirty="0"/>
+                            <a:t>(C, W)</a:t>
+                          </a:r>
+                          <a:endParaRPr lang="en-SG" dirty="0"/>
+                        </a:p>
+                      </a:txBody>
+                      <a:tcPr/>
+                    </a:tc>
+                    <a:tc>
+                      <a:txBody>
+                        <a:bodyPr/>
+                        <a:lstStyle/>
+                        <a:p>
+                          <a:r>
+                            <a:rPr lang="en-US" dirty="0"/>
+                            <a:t>1</a:t>
+                          </a:r>
+                          <a:endParaRPr lang="en-SG" dirty="0"/>
+                        </a:p>
+                      </a:txBody>
+                      <a:tcPr/>
+                    </a:tc>
+                    <a:tc>
+                      <a:txBody>
+                        <a:bodyPr/>
+                        <a:lstStyle/>
+                        <a:p>
+                          <a:pPr/>
+                          <a14:m>
+                            <m:oMathPara xmlns:m="http://schemas.openxmlformats.org/officeDocument/2006/math">
+                              <m:oMathParaPr>
+                                <m:jc m:val="centerGroup"/>
+                              </m:oMathParaPr>
+                              <m:oMath xmlns:m="http://schemas.openxmlformats.org/officeDocument/2006/math">
+                                <m:r>
+                                  <m:rPr>
+                                    <m:nor/>
+                                  </m:rPr>
+                                  <a:rPr lang="en-US" dirty="0" smtClean="0"/>
+                                  <m:t>8</m:t>
+                                </m:r>
+                                <m:r>
+                                  <a:rPr lang="en-US" i="1" dirty="0" smtClean="0">
+                                    <a:latin typeface="Cambria Math" panose="02040503050406030204" pitchFamily="18" charset="0"/>
+                                    <a:ea typeface="Cambria Math" panose="02040503050406030204" pitchFamily="18" charset="0"/>
+                                  </a:rPr>
+                                  <m:t>×</m:t>
+                                </m:r>
+                                <m:r>
+                                  <a:rPr lang="en-US" b="0" i="1" dirty="0" smtClean="0">
+                                    <a:latin typeface="Cambria Math" panose="02040503050406030204" pitchFamily="18" charset="0"/>
+                                    <a:ea typeface="Cambria Math" panose="02040503050406030204" pitchFamily="18" charset="0"/>
+                                  </a:rPr>
+                                  <m:t>5=40</m:t>
+                                </m:r>
+                              </m:oMath>
+                            </m:oMathPara>
+                          </a14:m>
+                          <a:endParaRPr lang="en-SG" dirty="0"/>
+                        </a:p>
+                      </a:txBody>
+                      <a:tcPr/>
+                    </a:tc>
+                    <a:extLst>
+                      <a:ext uri="{0D108BD9-81ED-4DB2-BD59-A6C34878D82A}">
+                        <a16:rowId xmlns:a16="http://schemas.microsoft.com/office/drawing/2014/main" val="3686973680"/>
+                      </a:ext>
+                    </a:extLst>
+                  </a:tr>
+                  <a:tr h="370840">
+                    <a:tc>
+                      <a:txBody>
+                        <a:bodyPr/>
+                        <a:lstStyle/>
+                        <a:p>
+                          <a:r>
+                            <a:rPr lang="en-US" dirty="0"/>
+                            <a:t>(F, R)</a:t>
+                          </a:r>
+                          <a:endParaRPr lang="en-SG" dirty="0"/>
+                        </a:p>
+                      </a:txBody>
+                      <a:tcPr/>
+                    </a:tc>
+                    <a:tc>
+                      <a:txBody>
+                        <a:bodyPr/>
+                        <a:lstStyle/>
+                        <a:p>
+                          <a:r>
+                            <a:rPr lang="en-US" dirty="0"/>
+                            <a:t>1</a:t>
+                          </a:r>
+                          <a:endParaRPr lang="en-SG" dirty="0"/>
+                        </a:p>
+                      </a:txBody>
+                      <a:tcPr/>
+                    </a:tc>
+                    <a:tc>
+                      <a:txBody>
+                        <a:bodyPr/>
+                        <a:lstStyle/>
+                        <a:p>
+                          <a14:m>
+                            <m:oMathPara xmlns:m="http://schemas.openxmlformats.org/officeDocument/2006/math">
+                              <m:oMathParaPr>
+                                <m:jc m:val="centerGroup"/>
+                              </m:oMathParaPr>
+                              <m:oMath xmlns:m="http://schemas.openxmlformats.org/officeDocument/2006/math">
+                                <m:r>
+                                  <m:rPr>
+                                    <m:nor/>
+                                  </m:rPr>
+                                  <a:rPr lang="en-US" i="0" dirty="0" smtClean="0">
+                                    <a:latin typeface="Cambria Math" panose="02040503050406030204" pitchFamily="18" charset="0"/>
+                                    <a:ea typeface="+mn-ea"/>
+                                  </a:rPr>
+                                  <m:t>1</m:t>
+                                </m:r>
+                                <m:r>
+                                  <m:rPr>
+                                    <m:nor/>
+                                  </m:rPr>
+                                  <a:rPr lang="en-US" b="0" i="0" dirty="0" smtClean="0">
+                                    <a:latin typeface="Cambria Math" panose="02040503050406030204" pitchFamily="18" charset="0"/>
+                                    <a:ea typeface="+mn-ea"/>
+                                  </a:rPr>
+                                  <m:t>3.5</m:t>
+                                </m:r>
+                                <m:r>
+                                  <a:rPr lang="en-US" i="1" dirty="0" smtClean="0">
+                                    <a:latin typeface="Cambria Math" panose="02040503050406030204" pitchFamily="18" charset="0"/>
+                                    <a:ea typeface="Cambria Math" panose="02040503050406030204" pitchFamily="18" charset="0"/>
+                                  </a:rPr>
+                                  <m:t>×</m:t>
+                                </m:r>
+                                <m:r>
+                                  <a:rPr lang="en-US" b="0" i="1" dirty="0" smtClean="0">
+                                    <a:latin typeface="Cambria Math" panose="02040503050406030204" pitchFamily="18" charset="0"/>
+                                    <a:ea typeface="Cambria Math" panose="02040503050406030204" pitchFamily="18" charset="0"/>
+                                  </a:rPr>
+                                  <m:t>5=</m:t>
+                                </m:r>
+                                <m:r>
+                                  <a:rPr lang="en-US" b="0" i="1" dirty="0" smtClean="0">
+                                    <a:latin typeface="Cambria Math" panose="02040503050406030204" pitchFamily="18" charset="0"/>
+                                    <a:ea typeface="Cambria Math" panose="02040503050406030204" pitchFamily="18" charset="0"/>
+                                  </a:rPr>
+                                  <m:t>67.5</m:t>
+                                </m:r>
+                              </m:oMath>
+                            </m:oMathPara>
+                          </a14:m>
+                          <a:endParaRPr lang="en-SG" dirty="0"/>
+                        </a:p>
+                      </a:txBody>
+                      <a:tcPr/>
+                    </a:tc>
+                    <a:extLst>
+                      <a:ext uri="{0D108BD9-81ED-4DB2-BD59-A6C34878D82A}">
+                        <a16:rowId xmlns:a16="http://schemas.microsoft.com/office/drawing/2014/main" val="1342095360"/>
+                      </a:ext>
+                    </a:extLst>
+                  </a:tr>
+                  <a:tr h="370840">
+                    <a:tc>
+                      <a:txBody>
+                        <a:bodyPr/>
+                        <a:lstStyle/>
+                        <a:p>
+                          <a:r>
+                            <a:rPr lang="en-US" dirty="0"/>
+                            <a:t>(I, K)</a:t>
+                          </a:r>
+                          <a:endParaRPr lang="en-SG" dirty="0"/>
+                        </a:p>
+                      </a:txBody>
+                      <a:tcPr/>
+                    </a:tc>
+                    <a:tc>
+                      <a:txBody>
+                        <a:bodyPr/>
+                        <a:lstStyle/>
+                        <a:p>
+                          <a:r>
+                            <a:rPr lang="en-US" dirty="0"/>
+                            <a:t>3</a:t>
+                          </a:r>
+                          <a:endParaRPr lang="en-SG" dirty="0"/>
+                        </a:p>
+                      </a:txBody>
+                      <a:tcPr/>
+                    </a:tc>
+                    <a:tc>
+                      <a:txBody>
+                        <a:bodyPr/>
+                        <a:lstStyle/>
+                        <a:p>
+                          <a:pPr marL="0" marR="0" lvl="0" indent="0" algn="l" defTabSz="914400" rtl="0" eaLnBrk="1" fontAlgn="auto" latinLnBrk="0" hangingPunct="1">
+                            <a:lnSpc>
+                              <a:spcPct val="100000"/>
+                            </a:lnSpc>
+                            <a:spcBef>
+                              <a:spcPts val="0"/>
+                            </a:spcBef>
+                            <a:spcAft>
+                              <a:spcPts val="0"/>
+                            </a:spcAft>
+                            <a:buClrTx/>
+                            <a:buSzTx/>
+                            <a:buFontTx/>
+                            <a:buNone/>
+                            <a:tabLst/>
+                            <a:defRPr/>
+                          </a:pPr>
+                          <a14:m>
+                            <m:oMathPara xmlns:m="http://schemas.openxmlformats.org/officeDocument/2006/math">
+                              <m:oMathParaPr>
+                                <m:jc m:val="centerGroup"/>
+                              </m:oMathParaPr>
+                              <m:oMath xmlns:m="http://schemas.openxmlformats.org/officeDocument/2006/math">
+                                <m:r>
+                                  <m:rPr>
+                                    <m:nor/>
+                                  </m:rPr>
+                                  <a:rPr lang="en-US" i="0" dirty="0" smtClean="0">
+                                    <a:latin typeface="Cambria Math" panose="02040503050406030204" pitchFamily="18" charset="0"/>
+                                    <a:ea typeface="+mn-ea"/>
+                                  </a:rPr>
+                                  <m:t>7</m:t>
+                                </m:r>
+                                <m:r>
+                                  <a:rPr lang="en-US" i="1" dirty="0" smtClean="0">
+                                    <a:latin typeface="Cambria Math" panose="02040503050406030204" pitchFamily="18" charset="0"/>
+                                    <a:ea typeface="Cambria Math" panose="02040503050406030204" pitchFamily="18" charset="0"/>
+                                  </a:rPr>
+                                  <m:t>×</m:t>
+                                </m:r>
+                                <m:r>
+                                  <a:rPr lang="en-US" b="0" i="1" dirty="0" smtClean="0">
+                                    <a:latin typeface="Cambria Math" panose="02040503050406030204" pitchFamily="18" charset="0"/>
+                                    <a:ea typeface="Cambria Math" panose="02040503050406030204" pitchFamily="18" charset="0"/>
+                                  </a:rPr>
+                                  <m:t>11.25</m:t>
+                                </m:r>
+                                <m:r>
+                                  <a:rPr lang="en-US" b="0" i="1" dirty="0" smtClean="0">
+                                    <a:latin typeface="Cambria Math" panose="02040503050406030204" pitchFamily="18" charset="0"/>
+                                    <a:ea typeface="Cambria Math" panose="02040503050406030204" pitchFamily="18" charset="0"/>
+                                  </a:rPr>
+                                  <m:t>=67.5</m:t>
+                                </m:r>
+                              </m:oMath>
+                            </m:oMathPara>
+                          </a14:m>
+                          <a:endParaRPr lang="en-SG" dirty="0"/>
+                        </a:p>
+                      </a:txBody>
+                      <a:tcPr/>
+                    </a:tc>
+                    <a:extLst>
+                      <a:ext uri="{0D108BD9-81ED-4DB2-BD59-A6C34878D82A}">
+                        <a16:rowId xmlns:a16="http://schemas.microsoft.com/office/drawing/2014/main" val="566672358"/>
+                      </a:ext>
+                    </a:extLst>
+                  </a:tr>
+                  <a:tr h="370840">
+                    <a:tc>
+                      <a:txBody>
+                        <a:bodyPr/>
+                        <a:lstStyle/>
+                        <a:p>
+                          <a:r>
+                            <a:rPr lang="en-US" dirty="0"/>
+                            <a:t>(I,  W)</a:t>
+                          </a:r>
+                          <a:endParaRPr lang="en-SG" dirty="0"/>
+                        </a:p>
+                      </a:txBody>
+                      <a:tcPr/>
+                    </a:tc>
+                    <a:tc>
+                      <a:txBody>
+                        <a:bodyPr/>
+                        <a:lstStyle/>
+                        <a:p>
+                          <a:r>
+                            <a:rPr lang="en-US" dirty="0"/>
+                            <a:t>1</a:t>
+                          </a:r>
+                          <a:endParaRPr lang="en-SG" dirty="0"/>
+                        </a:p>
+                      </a:txBody>
+                      <a:tcPr/>
+                    </a:tc>
+                    <a:tc>
+                      <a:txBody>
+                        <a:bodyPr/>
+                        <a:lstStyle/>
+                        <a:p>
+                          <a:endParaRPr lang="en-SG" dirty="0"/>
+                        </a:p>
+                      </a:txBody>
+                      <a:tcPr/>
+                    </a:tc>
+                    <a:extLst>
+                      <a:ext uri="{0D108BD9-81ED-4DB2-BD59-A6C34878D82A}">
+                        <a16:rowId xmlns:a16="http://schemas.microsoft.com/office/drawing/2014/main" val="4267606346"/>
+                      </a:ext>
+                    </a:extLst>
+                  </a:tr>
+                  <a:tr h="370840">
+                    <a:tc>
+                      <a:txBody>
+                        <a:bodyPr/>
+                        <a:lstStyle/>
+                        <a:p>
+                          <a:r>
+                            <a:rPr lang="en-US" dirty="0"/>
+                            <a:t>(K, F)</a:t>
+                          </a:r>
+                          <a:endParaRPr lang="en-SG" dirty="0"/>
+                        </a:p>
+                      </a:txBody>
+                      <a:tcPr/>
+                    </a:tc>
+                    <a:tc>
+                      <a:txBody>
+                        <a:bodyPr/>
+                        <a:lstStyle/>
+                        <a:p>
+                          <a:r>
+                            <a:rPr lang="en-US" dirty="0"/>
+                            <a:t>1</a:t>
+                          </a:r>
+                          <a:endParaRPr lang="en-SG" dirty="0"/>
+                        </a:p>
+                      </a:txBody>
+                      <a:tcPr/>
+                    </a:tc>
+                    <a:tc>
+                      <a:txBody>
+                        <a:bodyPr/>
+                        <a:lstStyle/>
+                        <a:p>
+                          <a:endParaRPr lang="en-SG" dirty="0"/>
+                        </a:p>
+                      </a:txBody>
+                      <a:tcPr/>
+                    </a:tc>
+                    <a:extLst>
+                      <a:ext uri="{0D108BD9-81ED-4DB2-BD59-A6C34878D82A}">
+                        <a16:rowId xmlns:a16="http://schemas.microsoft.com/office/drawing/2014/main" val="3961454473"/>
+                      </a:ext>
+                    </a:extLst>
+                  </a:tr>
+                  <a:tr h="370840">
+                    <a:tc>
+                      <a:txBody>
+                        <a:bodyPr/>
+                        <a:lstStyle/>
+                        <a:p>
+                          <a:r>
+                            <a:rPr lang="en-US" dirty="0"/>
+                            <a:t>(K, L)</a:t>
+                          </a:r>
+                          <a:endParaRPr lang="en-SG" dirty="0"/>
+                        </a:p>
+                      </a:txBody>
+                      <a:tcPr/>
+                    </a:tc>
+                    <a:tc>
+                      <a:txBody>
+                        <a:bodyPr/>
+                        <a:lstStyle/>
+                        <a:p>
+                          <a:r>
+                            <a:rPr lang="en-US" dirty="0"/>
+                            <a:t>1</a:t>
+                          </a:r>
+                          <a:endParaRPr lang="en-SG" dirty="0"/>
+                        </a:p>
+                      </a:txBody>
+                      <a:tcPr/>
+                    </a:tc>
+                    <a:tc>
+                      <a:txBody>
+                        <a:bodyPr/>
+                        <a:lstStyle/>
+                        <a:p>
+                          <a:endParaRPr lang="en-SG" dirty="0"/>
+                        </a:p>
+                      </a:txBody>
+                      <a:tcPr/>
+                    </a:tc>
+                    <a:extLst>
+                      <a:ext uri="{0D108BD9-81ED-4DB2-BD59-A6C34878D82A}">
+                        <a16:rowId xmlns:a16="http://schemas.microsoft.com/office/drawing/2014/main" val="3086430242"/>
+                      </a:ext>
+                    </a:extLst>
+                  </a:tr>
+                  <a:tr h="370840">
+                    <a:tc>
+                      <a:txBody>
+                        <a:bodyPr/>
+                        <a:lstStyle/>
+                        <a:p>
+                          <a:r>
+                            <a:rPr lang="en-US" dirty="0"/>
+                            <a:t>(K, S)</a:t>
+                          </a:r>
+                          <a:endParaRPr lang="en-SG" dirty="0"/>
+                        </a:p>
+                      </a:txBody>
+                      <a:tcPr/>
+                    </a:tc>
+                    <a:tc>
+                      <a:txBody>
+                        <a:bodyPr/>
+                        <a:lstStyle/>
+                        <a:p>
+                          <a:r>
+                            <a:rPr lang="en-US" dirty="0"/>
+                            <a:t>1</a:t>
+                          </a:r>
+                          <a:endParaRPr lang="en-SG" dirty="0"/>
+                        </a:p>
+                      </a:txBody>
+                      <a:tcPr/>
+                    </a:tc>
+                    <a:tc>
+                      <a:txBody>
+                        <a:bodyPr/>
+                        <a:lstStyle/>
+                        <a:p>
+                          <a:endParaRPr lang="en-SG" dirty="0"/>
+                        </a:p>
+                      </a:txBody>
+                      <a:tcPr/>
+                    </a:tc>
+                    <a:extLst>
+                      <a:ext uri="{0D108BD9-81ED-4DB2-BD59-A6C34878D82A}">
+                        <a16:rowId xmlns:a16="http://schemas.microsoft.com/office/drawing/2014/main" val="3282197775"/>
+                      </a:ext>
+                    </a:extLst>
+                  </a:tr>
+                  <a:tr h="370840">
+                    <a:tc>
+                      <a:txBody>
+                        <a:bodyPr/>
+                        <a:lstStyle/>
+                        <a:p>
+                          <a:r>
+                            <a:rPr lang="en-US" dirty="0"/>
+                            <a:t>(L, K)</a:t>
+                          </a:r>
+                          <a:endParaRPr lang="en-SG" dirty="0"/>
+                        </a:p>
+                      </a:txBody>
+                      <a:tcPr/>
+                    </a:tc>
+                    <a:tc>
+                      <a:txBody>
+                        <a:bodyPr/>
+                        <a:lstStyle/>
+                        <a:p>
+                          <a:r>
+                            <a:rPr lang="en-US" dirty="0"/>
+                            <a:t>1</a:t>
+                          </a:r>
+                          <a:endParaRPr lang="en-SG" dirty="0"/>
+                        </a:p>
+                      </a:txBody>
+                      <a:tcPr/>
+                    </a:tc>
+                    <a:tc>
+                      <a:txBody>
+                        <a:bodyPr/>
+                        <a:lstStyle/>
+                        <a:p>
+                          <a:endParaRPr lang="en-SG" dirty="0"/>
+                        </a:p>
+                      </a:txBody>
+                      <a:tcPr/>
+                    </a:tc>
+                    <a:extLst>
+                      <a:ext uri="{0D108BD9-81ED-4DB2-BD59-A6C34878D82A}">
+                        <a16:rowId xmlns:a16="http://schemas.microsoft.com/office/drawing/2014/main" val="595447160"/>
+                      </a:ext>
+                    </a:extLst>
+                  </a:tr>
+                  <a:tr h="370840">
+                    <a:tc>
+                      <a:txBody>
+                        <a:bodyPr/>
+                        <a:lstStyle/>
+                        <a:p>
+                          <a:r>
+                            <a:rPr lang="en-US" dirty="0"/>
+                            <a:t>(L, S)</a:t>
+                          </a:r>
+                          <a:endParaRPr lang="en-SG" dirty="0"/>
+                        </a:p>
+                      </a:txBody>
+                      <a:tcPr/>
+                    </a:tc>
+                    <a:tc>
+                      <a:txBody>
+                        <a:bodyPr/>
+                        <a:lstStyle/>
+                        <a:p>
+                          <a:r>
+                            <a:rPr lang="en-US" dirty="0"/>
+                            <a:t>1</a:t>
+                          </a:r>
+                          <a:endParaRPr lang="en-SG" dirty="0"/>
+                        </a:p>
+                      </a:txBody>
+                      <a:tcPr/>
+                    </a:tc>
+                    <a:tc>
+                      <a:txBody>
+                        <a:bodyPr/>
+                        <a:lstStyle/>
+                        <a:p>
+                          <a:endParaRPr lang="en-SG" dirty="0"/>
+                        </a:p>
+                      </a:txBody>
+                      <a:tcPr/>
+                    </a:tc>
+                    <a:extLst>
+                      <a:ext uri="{0D108BD9-81ED-4DB2-BD59-A6C34878D82A}">
+                        <a16:rowId xmlns:a16="http://schemas.microsoft.com/office/drawing/2014/main" val="4070070625"/>
+                      </a:ext>
+                    </a:extLst>
+                  </a:tr>
+                  <a:tr h="370840">
+                    <a:tc>
+                      <a:txBody>
+                        <a:bodyPr/>
+                        <a:lstStyle/>
+                        <a:p>
+                          <a:r>
+                            <a:rPr lang="en-US" dirty="0"/>
+                            <a:t>(P, R)</a:t>
+                          </a:r>
+                          <a:endParaRPr lang="en-SG" dirty="0"/>
+                        </a:p>
+                      </a:txBody>
+                      <a:tcPr/>
+                    </a:tc>
+                    <a:tc>
+                      <a:txBody>
+                        <a:bodyPr/>
+                        <a:lstStyle/>
+                        <a:p>
+                          <a:r>
+                            <a:rPr lang="en-US" dirty="0"/>
+                            <a:t>2</a:t>
+                          </a:r>
+                          <a:endParaRPr lang="en-SG" dirty="0"/>
+                        </a:p>
+                      </a:txBody>
+                      <a:tcPr/>
+                    </a:tc>
+                    <a:tc>
+                      <a:txBody>
+                        <a:bodyPr/>
+                        <a:lstStyle/>
+                        <a:p>
+                          <a:endParaRPr lang="en-SG" dirty="0"/>
+                        </a:p>
+                      </a:txBody>
+                      <a:tcPr/>
+                    </a:tc>
+                    <a:extLst>
+                      <a:ext uri="{0D108BD9-81ED-4DB2-BD59-A6C34878D82A}">
+                        <a16:rowId xmlns:a16="http://schemas.microsoft.com/office/drawing/2014/main" val="1929397104"/>
+                      </a:ext>
+                    </a:extLst>
+                  </a:tr>
+                </a:tbl>
+              </a:graphicData>
+            </a:graphic>
+          </p:graphicFrame>
+        </mc:Choice>
+        <mc:Fallback>
+          <p:graphicFrame>
+            <p:nvGraphicFramePr>
+              <p:cNvPr id="8" name="Table 7">
+                <a:extLst>
+                  <a:ext uri="{FF2B5EF4-FFF2-40B4-BE49-F238E27FC236}">
+                    <a16:creationId xmlns:a16="http://schemas.microsoft.com/office/drawing/2014/main" id="{CDB133F4-4955-8CB0-D6C6-99FCFCDF8334}"/>
+                  </a:ext>
+                </a:extLst>
+              </p:cNvPr>
+              <p:cNvGraphicFramePr>
+                <a:graphicFrameLocks noGrp="1"/>
+              </p:cNvGraphicFramePr>
+              <p:nvPr>
+                <p:extLst>
+                  <p:ext uri="{D42A27DB-BD31-4B8C-83A1-F6EECF244321}">
+                    <p14:modId xmlns:p14="http://schemas.microsoft.com/office/powerpoint/2010/main" val="3314355387"/>
+                  </p:ext>
+                </p:extLst>
+              </p:nvPr>
+            </p:nvGraphicFramePr>
+            <p:xfrm>
+              <a:off x="5992484" y="953985"/>
+              <a:ext cx="3962399" cy="5090160"/>
+            </p:xfrm>
+            <a:graphic>
+              <a:graphicData uri="http://schemas.openxmlformats.org/drawingml/2006/table">
+                <a:tbl>
+                  <a:tblPr firstRow="1" bandRow="1">
+                    <a:tableStyleId>{5940675A-B579-460E-94D1-54222C63F5DA}</a:tableStyleId>
+                  </a:tblPr>
+                  <a:tblGrid>
+                    <a:gridCol w="891395">
+                      <a:extLst>
+                        <a:ext uri="{9D8B030D-6E8A-4147-A177-3AD203B41FA5}">
+                          <a16:colId xmlns:a16="http://schemas.microsoft.com/office/drawing/2014/main" val="1313088508"/>
+                        </a:ext>
+                      </a:extLst>
+                    </a:gridCol>
+                    <a:gridCol w="1155940">
+                      <a:extLst>
+                        <a:ext uri="{9D8B030D-6E8A-4147-A177-3AD203B41FA5}">
+                          <a16:colId xmlns:a16="http://schemas.microsoft.com/office/drawing/2014/main" val="3252596915"/>
+                        </a:ext>
+                      </a:extLst>
+                    </a:gridCol>
+                    <a:gridCol w="1915064">
+                      <a:extLst>
+                        <a:ext uri="{9D8B030D-6E8A-4147-A177-3AD203B41FA5}">
+                          <a16:colId xmlns:a16="http://schemas.microsoft.com/office/drawing/2014/main" val="2104995432"/>
+                        </a:ext>
+                      </a:extLst>
+                    </a:gridCol>
+                  </a:tblGrid>
+                  <a:tr h="640080">
+                    <a:tc>
+                      <a:txBody>
+                        <a:bodyPr/>
+                        <a:lstStyle/>
+                        <a:p>
+                          <a:endParaRPr lang="en-SG" dirty="0"/>
+                        </a:p>
+                      </a:txBody>
+                      <a:tcPr/>
+                    </a:tc>
+                    <a:tc>
+                      <a:txBody>
+                        <a:bodyPr/>
+                        <a:lstStyle/>
+                        <a:p>
+                          <a:r>
+                            <a:rPr lang="en-US" dirty="0"/>
+                            <a:t>Times Appeared</a:t>
+                          </a:r>
+                          <a:endParaRPr lang="en-SG" dirty="0"/>
+                        </a:p>
+                      </a:txBody>
+                      <a:tcPr/>
+                    </a:tc>
+                    <a:tc>
+                      <a:txBody>
+                        <a:bodyPr/>
+                        <a:lstStyle/>
+                        <a:p>
+                          <a:r>
+                            <a:rPr lang="en-US" dirty="0"/>
+                            <a:t>Value</a:t>
+                          </a:r>
+                          <a:endParaRPr lang="en-SG" dirty="0"/>
+                        </a:p>
+                      </a:txBody>
+                      <a:tcPr/>
+                    </a:tc>
+                    <a:extLst>
+                      <a:ext uri="{0D108BD9-81ED-4DB2-BD59-A6C34878D82A}">
+                        <a16:rowId xmlns:a16="http://schemas.microsoft.com/office/drawing/2014/main" val="353177901"/>
+                      </a:ext>
+                    </a:extLst>
+                  </a:tr>
+                  <a:tr h="370840">
+                    <a:tc>
+                      <a:txBody>
+                        <a:bodyPr/>
+                        <a:lstStyle/>
+                        <a:p>
+                          <a:r>
+                            <a:rPr lang="en-US" dirty="0"/>
+                            <a:t>(C, K)</a:t>
+                          </a:r>
+                          <a:endParaRPr lang="en-SG" dirty="0"/>
+                        </a:p>
+                      </a:txBody>
+                      <a:tcPr/>
+                    </a:tc>
+                    <a:tc>
+                      <a:txBody>
+                        <a:bodyPr/>
+                        <a:lstStyle/>
+                        <a:p>
+                          <a:r>
+                            <a:rPr lang="en-US" dirty="0"/>
+                            <a:t>1</a:t>
+                          </a:r>
+                          <a:endParaRPr lang="en-SG" dirty="0"/>
+                        </a:p>
+                      </a:txBody>
+                      <a:tcPr/>
+                    </a:tc>
+                    <a:tc>
+                      <a:txBody>
+                        <a:bodyPr/>
+                        <a:lstStyle/>
+                        <a:p>
+                          <a:endParaRPr lang="en-US"/>
+                        </a:p>
+                      </a:txBody>
+                      <a:tcPr>
+                        <a:blipFill>
+                          <a:blip r:embed="rId2"/>
+                          <a:stretch>
+                            <a:fillRect l="-107302" t="-178689" r="-635" b="-1124590"/>
+                          </a:stretch>
+                        </a:blipFill>
+                      </a:tcPr>
+                    </a:tc>
+                    <a:extLst>
+                      <a:ext uri="{0D108BD9-81ED-4DB2-BD59-A6C34878D82A}">
+                        <a16:rowId xmlns:a16="http://schemas.microsoft.com/office/drawing/2014/main" val="1747954994"/>
+                      </a:ext>
+                    </a:extLst>
+                  </a:tr>
+                  <a:tr h="370840">
+                    <a:tc>
+                      <a:txBody>
+                        <a:bodyPr/>
+                        <a:lstStyle/>
+                        <a:p>
+                          <a:pPr marL="0" marR="0" lvl="0" indent="0" algn="l" defTabSz="914400" rtl="0" eaLnBrk="1" fontAlgn="auto" latinLnBrk="0" hangingPunct="1">
+                            <a:lnSpc>
+                              <a:spcPct val="100000"/>
+                            </a:lnSpc>
+                            <a:spcBef>
+                              <a:spcPts val="0"/>
+                            </a:spcBef>
+                            <a:spcAft>
+                              <a:spcPts val="0"/>
+                            </a:spcAft>
+                            <a:buClrTx/>
+                            <a:buSzTx/>
+                            <a:buFontTx/>
+                            <a:buNone/>
+                            <a:tabLst/>
+                            <a:defRPr/>
+                          </a:pPr>
+                          <a:r>
+                            <a:rPr lang="en-US" dirty="0"/>
+                            <a:t>(C, R)</a:t>
+                          </a:r>
+                          <a:endParaRPr lang="en-SG" dirty="0"/>
+                        </a:p>
+                      </a:txBody>
+                      <a:tcPr/>
+                    </a:tc>
+                    <a:tc>
+                      <a:txBody>
+                        <a:bodyPr/>
+                        <a:lstStyle/>
+                        <a:p>
+                          <a:r>
+                            <a:rPr lang="en-US" dirty="0"/>
+                            <a:t>2</a:t>
+                          </a:r>
+                          <a:endParaRPr lang="en-SG" dirty="0"/>
+                        </a:p>
+                      </a:txBody>
+                      <a:tcPr/>
+                    </a:tc>
+                    <a:tc>
+                      <a:txBody>
+                        <a:bodyPr/>
+                        <a:lstStyle/>
+                        <a:p>
+                          <a:endParaRPr lang="en-US"/>
+                        </a:p>
+                      </a:txBody>
+                      <a:tcPr>
+                        <a:blipFill>
+                          <a:blip r:embed="rId2"/>
+                          <a:stretch>
+                            <a:fillRect l="-107302" t="-278689" r="-635" b="-1024590"/>
+                          </a:stretch>
+                        </a:blipFill>
+                      </a:tcPr>
+                    </a:tc>
+                    <a:extLst>
+                      <a:ext uri="{0D108BD9-81ED-4DB2-BD59-A6C34878D82A}">
+                        <a16:rowId xmlns:a16="http://schemas.microsoft.com/office/drawing/2014/main" val="241565200"/>
+                      </a:ext>
+                    </a:extLst>
+                  </a:tr>
+                  <a:tr h="370840">
+                    <a:tc>
+                      <a:txBody>
+                        <a:bodyPr/>
+                        <a:lstStyle/>
+                        <a:p>
+                          <a:r>
+                            <a:rPr lang="en-US" dirty="0"/>
+                            <a:t>(C, W)</a:t>
+                          </a:r>
+                          <a:endParaRPr lang="en-SG" dirty="0"/>
+                        </a:p>
+                      </a:txBody>
+                      <a:tcPr/>
+                    </a:tc>
+                    <a:tc>
+                      <a:txBody>
+                        <a:bodyPr/>
+                        <a:lstStyle/>
+                        <a:p>
+                          <a:r>
+                            <a:rPr lang="en-US" dirty="0"/>
+                            <a:t>1</a:t>
+                          </a:r>
+                          <a:endParaRPr lang="en-SG" dirty="0"/>
+                        </a:p>
+                      </a:txBody>
+                      <a:tcPr/>
+                    </a:tc>
+                    <a:tc>
+                      <a:txBody>
+                        <a:bodyPr/>
+                        <a:lstStyle/>
+                        <a:p>
+                          <a:endParaRPr lang="en-US"/>
+                        </a:p>
+                      </a:txBody>
+                      <a:tcPr>
+                        <a:blipFill>
+                          <a:blip r:embed="rId2"/>
+                          <a:stretch>
+                            <a:fillRect l="-107302" t="-378689" r="-635" b="-924590"/>
+                          </a:stretch>
+                        </a:blipFill>
+                      </a:tcPr>
+                    </a:tc>
+                    <a:extLst>
+                      <a:ext uri="{0D108BD9-81ED-4DB2-BD59-A6C34878D82A}">
+                        <a16:rowId xmlns:a16="http://schemas.microsoft.com/office/drawing/2014/main" val="3686973680"/>
+                      </a:ext>
+                    </a:extLst>
+                  </a:tr>
+                  <a:tr h="370840">
+                    <a:tc>
+                      <a:txBody>
+                        <a:bodyPr/>
+                        <a:lstStyle/>
+                        <a:p>
+                          <a:r>
+                            <a:rPr lang="en-US" dirty="0"/>
+                            <a:t>(F, R)</a:t>
+                          </a:r>
+                          <a:endParaRPr lang="en-SG" dirty="0"/>
+                        </a:p>
+                      </a:txBody>
+                      <a:tcPr/>
+                    </a:tc>
+                    <a:tc>
+                      <a:txBody>
+                        <a:bodyPr/>
+                        <a:lstStyle/>
+                        <a:p>
+                          <a:r>
+                            <a:rPr lang="en-US" dirty="0"/>
+                            <a:t>1</a:t>
+                          </a:r>
+                          <a:endParaRPr lang="en-SG" dirty="0"/>
+                        </a:p>
+                      </a:txBody>
+                      <a:tcPr/>
+                    </a:tc>
+                    <a:tc>
+                      <a:txBody>
+                        <a:bodyPr/>
+                        <a:lstStyle/>
+                        <a:p>
+                          <a:endParaRPr lang="en-US"/>
+                        </a:p>
+                      </a:txBody>
+                      <a:tcPr>
+                        <a:blipFill>
+                          <a:blip r:embed="rId2"/>
+                          <a:stretch>
+                            <a:fillRect l="-107302" t="-478689" r="-635" b="-824590"/>
+                          </a:stretch>
+                        </a:blipFill>
+                      </a:tcPr>
+                    </a:tc>
+                    <a:extLst>
+                      <a:ext uri="{0D108BD9-81ED-4DB2-BD59-A6C34878D82A}">
+                        <a16:rowId xmlns:a16="http://schemas.microsoft.com/office/drawing/2014/main" val="1342095360"/>
+                      </a:ext>
+                    </a:extLst>
+                  </a:tr>
+                  <a:tr h="370840">
+                    <a:tc>
+                      <a:txBody>
+                        <a:bodyPr/>
+                        <a:lstStyle/>
+                        <a:p>
+                          <a:r>
+                            <a:rPr lang="en-US" dirty="0"/>
+                            <a:t>(I, K)</a:t>
+                          </a:r>
+                          <a:endParaRPr lang="en-SG" dirty="0"/>
+                        </a:p>
+                      </a:txBody>
+                      <a:tcPr/>
+                    </a:tc>
+                    <a:tc>
+                      <a:txBody>
+                        <a:bodyPr/>
+                        <a:lstStyle/>
+                        <a:p>
+                          <a:r>
+                            <a:rPr lang="en-US" dirty="0"/>
+                            <a:t>3</a:t>
+                          </a:r>
+                          <a:endParaRPr lang="en-SG" dirty="0"/>
+                        </a:p>
+                      </a:txBody>
+                      <a:tcPr/>
+                    </a:tc>
+                    <a:tc>
+                      <a:txBody>
+                        <a:bodyPr/>
+                        <a:lstStyle/>
+                        <a:p>
+                          <a:endParaRPr lang="en-US"/>
+                        </a:p>
+                      </a:txBody>
+                      <a:tcPr>
+                        <a:blipFill>
+                          <a:blip r:embed="rId2"/>
+                          <a:stretch>
+                            <a:fillRect l="-107302" t="-578689" r="-635" b="-724590"/>
+                          </a:stretch>
+                        </a:blipFill>
+                      </a:tcPr>
+                    </a:tc>
+                    <a:extLst>
+                      <a:ext uri="{0D108BD9-81ED-4DB2-BD59-A6C34878D82A}">
+                        <a16:rowId xmlns:a16="http://schemas.microsoft.com/office/drawing/2014/main" val="566672358"/>
+                      </a:ext>
+                    </a:extLst>
+                  </a:tr>
+                  <a:tr h="370840">
+                    <a:tc>
+                      <a:txBody>
+                        <a:bodyPr/>
+                        <a:lstStyle/>
+                        <a:p>
+                          <a:r>
+                            <a:rPr lang="en-US" dirty="0"/>
+                            <a:t>(I,  W)</a:t>
+                          </a:r>
+                          <a:endParaRPr lang="en-SG" dirty="0"/>
+                        </a:p>
+                      </a:txBody>
+                      <a:tcPr/>
+                    </a:tc>
+                    <a:tc>
+                      <a:txBody>
+                        <a:bodyPr/>
+                        <a:lstStyle/>
+                        <a:p>
+                          <a:r>
+                            <a:rPr lang="en-US" dirty="0"/>
+                            <a:t>1</a:t>
+                          </a:r>
+                          <a:endParaRPr lang="en-SG" dirty="0"/>
+                        </a:p>
+                      </a:txBody>
+                      <a:tcPr/>
+                    </a:tc>
+                    <a:tc>
+                      <a:txBody>
+                        <a:bodyPr/>
+                        <a:lstStyle/>
+                        <a:p>
+                          <a:endParaRPr lang="en-SG" dirty="0"/>
+                        </a:p>
+                      </a:txBody>
+                      <a:tcPr/>
+                    </a:tc>
+                    <a:extLst>
+                      <a:ext uri="{0D108BD9-81ED-4DB2-BD59-A6C34878D82A}">
+                        <a16:rowId xmlns:a16="http://schemas.microsoft.com/office/drawing/2014/main" val="4267606346"/>
+                      </a:ext>
+                    </a:extLst>
+                  </a:tr>
+                  <a:tr h="370840">
+                    <a:tc>
+                      <a:txBody>
+                        <a:bodyPr/>
+                        <a:lstStyle/>
+                        <a:p>
+                          <a:r>
+                            <a:rPr lang="en-US" dirty="0"/>
+                            <a:t>(K, F)</a:t>
+                          </a:r>
+                          <a:endParaRPr lang="en-SG" dirty="0"/>
+                        </a:p>
+                      </a:txBody>
+                      <a:tcPr/>
+                    </a:tc>
+                    <a:tc>
+                      <a:txBody>
+                        <a:bodyPr/>
+                        <a:lstStyle/>
+                        <a:p>
+                          <a:r>
+                            <a:rPr lang="en-US" dirty="0"/>
+                            <a:t>1</a:t>
+                          </a:r>
+                          <a:endParaRPr lang="en-SG" dirty="0"/>
+                        </a:p>
+                      </a:txBody>
+                      <a:tcPr/>
+                    </a:tc>
+                    <a:tc>
+                      <a:txBody>
+                        <a:bodyPr/>
+                        <a:lstStyle/>
+                        <a:p>
+                          <a:endParaRPr lang="en-SG" dirty="0"/>
+                        </a:p>
+                      </a:txBody>
+                      <a:tcPr/>
+                    </a:tc>
+                    <a:extLst>
+                      <a:ext uri="{0D108BD9-81ED-4DB2-BD59-A6C34878D82A}">
+                        <a16:rowId xmlns:a16="http://schemas.microsoft.com/office/drawing/2014/main" val="3961454473"/>
+                      </a:ext>
+                    </a:extLst>
+                  </a:tr>
+                  <a:tr h="370840">
+                    <a:tc>
+                      <a:txBody>
+                        <a:bodyPr/>
+                        <a:lstStyle/>
+                        <a:p>
+                          <a:r>
+                            <a:rPr lang="en-US" dirty="0"/>
+                            <a:t>(K, L)</a:t>
+                          </a:r>
+                          <a:endParaRPr lang="en-SG" dirty="0"/>
+                        </a:p>
+                      </a:txBody>
+                      <a:tcPr/>
+                    </a:tc>
+                    <a:tc>
+                      <a:txBody>
+                        <a:bodyPr/>
+                        <a:lstStyle/>
+                        <a:p>
+                          <a:r>
+                            <a:rPr lang="en-US" dirty="0"/>
+                            <a:t>1</a:t>
+                          </a:r>
+                          <a:endParaRPr lang="en-SG" dirty="0"/>
+                        </a:p>
+                      </a:txBody>
+                      <a:tcPr/>
+                    </a:tc>
+                    <a:tc>
+                      <a:txBody>
+                        <a:bodyPr/>
+                        <a:lstStyle/>
+                        <a:p>
+                          <a:endParaRPr lang="en-SG" dirty="0"/>
+                        </a:p>
+                      </a:txBody>
+                      <a:tcPr/>
+                    </a:tc>
+                    <a:extLst>
+                      <a:ext uri="{0D108BD9-81ED-4DB2-BD59-A6C34878D82A}">
+                        <a16:rowId xmlns:a16="http://schemas.microsoft.com/office/drawing/2014/main" val="3086430242"/>
+                      </a:ext>
+                    </a:extLst>
+                  </a:tr>
+                  <a:tr h="370840">
+                    <a:tc>
+                      <a:txBody>
+                        <a:bodyPr/>
+                        <a:lstStyle/>
+                        <a:p>
+                          <a:r>
+                            <a:rPr lang="en-US" dirty="0"/>
+                            <a:t>(K, S)</a:t>
+                          </a:r>
+                          <a:endParaRPr lang="en-SG" dirty="0"/>
+                        </a:p>
+                      </a:txBody>
+                      <a:tcPr/>
+                    </a:tc>
+                    <a:tc>
+                      <a:txBody>
+                        <a:bodyPr/>
+                        <a:lstStyle/>
+                        <a:p>
+                          <a:r>
+                            <a:rPr lang="en-US" dirty="0"/>
+                            <a:t>1</a:t>
+                          </a:r>
+                          <a:endParaRPr lang="en-SG" dirty="0"/>
+                        </a:p>
+                      </a:txBody>
+                      <a:tcPr/>
+                    </a:tc>
+                    <a:tc>
+                      <a:txBody>
+                        <a:bodyPr/>
+                        <a:lstStyle/>
+                        <a:p>
+                          <a:endParaRPr lang="en-SG" dirty="0"/>
+                        </a:p>
+                      </a:txBody>
+                      <a:tcPr/>
+                    </a:tc>
+                    <a:extLst>
+                      <a:ext uri="{0D108BD9-81ED-4DB2-BD59-A6C34878D82A}">
+                        <a16:rowId xmlns:a16="http://schemas.microsoft.com/office/drawing/2014/main" val="3282197775"/>
+                      </a:ext>
+                    </a:extLst>
+                  </a:tr>
+                  <a:tr h="370840">
+                    <a:tc>
+                      <a:txBody>
+                        <a:bodyPr/>
+                        <a:lstStyle/>
+                        <a:p>
+                          <a:r>
+                            <a:rPr lang="en-US" dirty="0"/>
+                            <a:t>(L, K)</a:t>
+                          </a:r>
+                          <a:endParaRPr lang="en-SG" dirty="0"/>
+                        </a:p>
+                      </a:txBody>
+                      <a:tcPr/>
+                    </a:tc>
+                    <a:tc>
+                      <a:txBody>
+                        <a:bodyPr/>
+                        <a:lstStyle/>
+                        <a:p>
+                          <a:r>
+                            <a:rPr lang="en-US" dirty="0"/>
+                            <a:t>1</a:t>
+                          </a:r>
+                          <a:endParaRPr lang="en-SG" dirty="0"/>
+                        </a:p>
+                      </a:txBody>
+                      <a:tcPr/>
+                    </a:tc>
+                    <a:tc>
+                      <a:txBody>
+                        <a:bodyPr/>
+                        <a:lstStyle/>
+                        <a:p>
+                          <a:endParaRPr lang="en-SG" dirty="0"/>
+                        </a:p>
+                      </a:txBody>
+                      <a:tcPr/>
+                    </a:tc>
+                    <a:extLst>
+                      <a:ext uri="{0D108BD9-81ED-4DB2-BD59-A6C34878D82A}">
+                        <a16:rowId xmlns:a16="http://schemas.microsoft.com/office/drawing/2014/main" val="595447160"/>
+                      </a:ext>
+                    </a:extLst>
+                  </a:tr>
+                  <a:tr h="370840">
+                    <a:tc>
+                      <a:txBody>
+                        <a:bodyPr/>
+                        <a:lstStyle/>
+                        <a:p>
+                          <a:r>
+                            <a:rPr lang="en-US" dirty="0"/>
+                            <a:t>(L, S)</a:t>
+                          </a:r>
+                          <a:endParaRPr lang="en-SG" dirty="0"/>
+                        </a:p>
+                      </a:txBody>
+                      <a:tcPr/>
+                    </a:tc>
+                    <a:tc>
+                      <a:txBody>
+                        <a:bodyPr/>
+                        <a:lstStyle/>
+                        <a:p>
+                          <a:r>
+                            <a:rPr lang="en-US" dirty="0"/>
+                            <a:t>1</a:t>
+                          </a:r>
+                          <a:endParaRPr lang="en-SG" dirty="0"/>
+                        </a:p>
+                      </a:txBody>
+                      <a:tcPr/>
+                    </a:tc>
+                    <a:tc>
+                      <a:txBody>
+                        <a:bodyPr/>
+                        <a:lstStyle/>
+                        <a:p>
+                          <a:endParaRPr lang="en-SG" dirty="0"/>
+                        </a:p>
+                      </a:txBody>
+                      <a:tcPr/>
+                    </a:tc>
+                    <a:extLst>
+                      <a:ext uri="{0D108BD9-81ED-4DB2-BD59-A6C34878D82A}">
+                        <a16:rowId xmlns:a16="http://schemas.microsoft.com/office/drawing/2014/main" val="4070070625"/>
+                      </a:ext>
+                    </a:extLst>
+                  </a:tr>
+                  <a:tr h="370840">
+                    <a:tc>
+                      <a:txBody>
+                        <a:bodyPr/>
+                        <a:lstStyle/>
+                        <a:p>
+                          <a:r>
+                            <a:rPr lang="en-US" dirty="0"/>
+                            <a:t>(P, R)</a:t>
+                          </a:r>
+                          <a:endParaRPr lang="en-SG" dirty="0"/>
+                        </a:p>
+                      </a:txBody>
+                      <a:tcPr/>
+                    </a:tc>
+                    <a:tc>
+                      <a:txBody>
+                        <a:bodyPr/>
+                        <a:lstStyle/>
+                        <a:p>
+                          <a:r>
+                            <a:rPr lang="en-US" dirty="0"/>
+                            <a:t>2</a:t>
+                          </a:r>
+                          <a:endParaRPr lang="en-SG" dirty="0"/>
+                        </a:p>
+                      </a:txBody>
+                      <a:tcPr/>
+                    </a:tc>
+                    <a:tc>
+                      <a:txBody>
+                        <a:bodyPr/>
+                        <a:lstStyle/>
+                        <a:p>
+                          <a:endParaRPr lang="en-SG" dirty="0"/>
+                        </a:p>
+                      </a:txBody>
+                      <a:tcPr/>
+                    </a:tc>
+                    <a:extLst>
+                      <a:ext uri="{0D108BD9-81ED-4DB2-BD59-A6C34878D82A}">
+                        <a16:rowId xmlns:a16="http://schemas.microsoft.com/office/drawing/2014/main" val="1929397104"/>
+                      </a:ext>
+                    </a:extLst>
+                  </a:tr>
+                </a:tbl>
+              </a:graphicData>
+            </a:graphic>
+          </p:graphicFrame>
+        </mc:Fallback>
+      </mc:AlternateContent>
+      <p:sp>
+        <p:nvSpPr>
+          <p:cNvPr id="10" name="TextBox 9">
+            <a:extLst>
+              <a:ext uri="{FF2B5EF4-FFF2-40B4-BE49-F238E27FC236}">
+                <a16:creationId xmlns:a16="http://schemas.microsoft.com/office/drawing/2014/main" id="{FAB90CD0-2EA9-45D7-4518-810565BB6E18}"/>
+              </a:ext>
+            </a:extLst>
+          </p:cNvPr>
+          <p:cNvSpPr txBox="1"/>
+          <p:nvPr/>
+        </p:nvSpPr>
+        <p:spPr>
+          <a:xfrm>
+            <a:off x="1347877" y="92948"/>
+            <a:ext cx="6094562" cy="369332"/>
+          </a:xfrm>
+          <a:prstGeom prst="rect">
+            <a:avLst/>
+          </a:prstGeom>
+          <a:noFill/>
+        </p:spPr>
+        <p:txBody>
+          <a:bodyPr wrap="square">
+            <a:spAutoFit/>
+          </a:bodyPr>
+          <a:lstStyle/>
+          <a:p>
+            <a:r>
+              <a:rPr lang="en-US" dirty="0"/>
+              <a:t>RPRCWIKIKFRCKSLKF</a:t>
+            </a:r>
+            <a:endParaRPr lang="en-SG" dirty="0"/>
+          </a:p>
+        </p:txBody>
+      </p:sp>
+    </p:spTree>
+    <p:extLst>
+      <p:ext uri="{BB962C8B-B14F-4D97-AF65-F5344CB8AC3E}">
+        <p14:creationId xmlns:p14="http://schemas.microsoft.com/office/powerpoint/2010/main" val="438450982"/>
+      </p:ext>
+    </p:extLst>
+  </p:cSld>
+  <p:clrMapOvr>
+    <a:masterClrMapping/>
+  </p:clrMapOvr>
+</p:sld>
+</file>
+
+<file path=ppt/slides/slide6.xml><?xml version="1.0" encoding="utf-8"?>
+<p:sld xmlns:a="http://schemas.openxmlformats.org/drawingml/2006/main" xmlns:r="http://schemas.openxmlformats.org/officeDocument/2006/relationships" xmlns:p="http://schemas.openxmlformats.org/presentationml/2006/main">
+  <p:cSld>
+    <p:spTree>
+      <p:nvGrpSpPr>
+        <p:cNvPr id="1" name=""/>
+        <p:cNvGrpSpPr/>
+        <p:nvPr/>
+      </p:nvGrpSpPr>
+      <p:grpSpPr>
+        <a:xfrm>
+          <a:off x="0" y="0"/>
+          <a:ext cx="0" cy="0"/>
+          <a:chOff x="0" y="0"/>
+          <a:chExt cx="0" cy="0"/>
+        </a:xfrm>
+      </p:grpSpPr>
+      <p:graphicFrame>
+        <p:nvGraphicFramePr>
+          <p:cNvPr id="4" name="Table 3">
+            <a:extLst>
+              <a:ext uri="{FF2B5EF4-FFF2-40B4-BE49-F238E27FC236}">
+                <a16:creationId xmlns:a16="http://schemas.microsoft.com/office/drawing/2014/main" id="{C7F76C85-CE5B-1669-6678-F5BEBB56217B}"/>
+              </a:ext>
+            </a:extLst>
+          </p:cNvPr>
+          <p:cNvGraphicFramePr>
+            <a:graphicFrameLocks noGrp="1"/>
+          </p:cNvGraphicFramePr>
+          <p:nvPr>
+            <p:extLst>
+              <p:ext uri="{D42A27DB-BD31-4B8C-83A1-F6EECF244321}">
+                <p14:modId xmlns:p14="http://schemas.microsoft.com/office/powerpoint/2010/main" val="3763933145"/>
+              </p:ext>
+            </p:extLst>
+          </p:nvPr>
+        </p:nvGraphicFramePr>
+        <p:xfrm>
+          <a:off x="651773" y="802894"/>
+          <a:ext cx="2565880" cy="2123440"/>
+        </p:xfrm>
+        <a:graphic>
+          <a:graphicData uri="http://schemas.openxmlformats.org/drawingml/2006/table">
+            <a:tbl>
+              <a:tblPr firstRow="1" bandRow="1">
+                <a:tableStyleId>{5940675A-B579-460E-94D1-54222C63F5DA}</a:tableStyleId>
+              </a:tblPr>
+              <a:tblGrid>
+                <a:gridCol w="560999">
+                  <a:extLst>
+                    <a:ext uri="{9D8B030D-6E8A-4147-A177-3AD203B41FA5}">
+                      <a16:colId xmlns:a16="http://schemas.microsoft.com/office/drawing/2014/main" val="1313088508"/>
+                    </a:ext>
+                  </a:extLst>
+                </a:gridCol>
+                <a:gridCol w="1004217">
+                  <a:extLst>
+                    <a:ext uri="{9D8B030D-6E8A-4147-A177-3AD203B41FA5}">
+                      <a16:colId xmlns:a16="http://schemas.microsoft.com/office/drawing/2014/main" val="3252596915"/>
+                    </a:ext>
+                  </a:extLst>
+                </a:gridCol>
+                <a:gridCol w="1000664">
+                  <a:extLst>
+                    <a:ext uri="{9D8B030D-6E8A-4147-A177-3AD203B41FA5}">
+                      <a16:colId xmlns:a16="http://schemas.microsoft.com/office/drawing/2014/main" val="4225760122"/>
+                    </a:ext>
+                  </a:extLst>
+                </a:gridCol>
+              </a:tblGrid>
+              <a:tr h="370840">
+                <a:tc>
+                  <a:txBody>
+                    <a:bodyPr/>
+                    <a:lstStyle/>
+                    <a:p>
+                      <a:endParaRPr lang="en-SG" dirty="0"/>
+                    </a:p>
+                  </a:txBody>
+                  <a:tcPr/>
+                </a:tc>
+                <a:tc>
+                  <a:txBody>
+                    <a:bodyPr/>
+                    <a:lstStyle/>
+                    <a:p>
+                      <a:r>
+                        <a:rPr lang="en-US" dirty="0"/>
+                        <a:t>Mean Index</a:t>
+                      </a:r>
+                      <a:endParaRPr lang="en-SG" dirty="0"/>
+                    </a:p>
+                  </a:txBody>
+                  <a:tcPr/>
+                </a:tc>
+                <a:tc>
+                  <a:txBody>
+                    <a:bodyPr/>
+                    <a:lstStyle/>
+                    <a:p>
+                      <a:r>
+                        <a:rPr lang="en-US" dirty="0"/>
+                        <a:t>Freq</a:t>
+                      </a:r>
+                      <a:endParaRPr lang="en-SG" dirty="0"/>
+                    </a:p>
+                  </a:txBody>
+                  <a:tcPr/>
+                </a:tc>
+                <a:extLst>
+                  <a:ext uri="{0D108BD9-81ED-4DB2-BD59-A6C34878D82A}">
+                    <a16:rowId xmlns:a16="http://schemas.microsoft.com/office/drawing/2014/main" val="375185223"/>
+                  </a:ext>
+                </a:extLst>
+              </a:tr>
+              <a:tr h="370840">
+                <a:tc>
+                  <a:txBody>
+                    <a:bodyPr/>
+                    <a:lstStyle/>
+                    <a:p>
+                      <a:r>
+                        <a:rPr lang="en-US" dirty="0"/>
+                        <a:t>A</a:t>
+                      </a:r>
+                      <a:endParaRPr lang="en-SG" dirty="0"/>
+                    </a:p>
+                  </a:txBody>
+                  <a:tcPr/>
+                </a:tc>
+                <a:tc>
+                  <a:txBody>
+                    <a:bodyPr/>
+                    <a:lstStyle/>
+                    <a:p>
+                      <a:r>
+                        <a:rPr lang="en-US" dirty="0"/>
+                        <a:t>1</a:t>
+                      </a:r>
+                      <a:endParaRPr lang="en-SG" dirty="0"/>
+                    </a:p>
+                  </a:txBody>
+                  <a:tcPr/>
+                </a:tc>
+                <a:tc>
+                  <a:txBody>
+                    <a:bodyPr/>
+                    <a:lstStyle/>
+                    <a:p>
+                      <a:r>
+                        <a:rPr lang="en-US" dirty="0"/>
+                        <a:t>1</a:t>
+                      </a:r>
+                      <a:endParaRPr lang="en-SG" dirty="0"/>
+                    </a:p>
+                  </a:txBody>
+                  <a:tcPr/>
+                </a:tc>
+                <a:extLst>
+                  <a:ext uri="{0D108BD9-81ED-4DB2-BD59-A6C34878D82A}">
+                    <a16:rowId xmlns:a16="http://schemas.microsoft.com/office/drawing/2014/main" val="1747954994"/>
+                  </a:ext>
+                </a:extLst>
+              </a:tr>
+              <a:tr h="370840">
+                <a:tc>
+                  <a:txBody>
+                    <a:bodyPr/>
+                    <a:lstStyle/>
+                    <a:p>
+                      <a:r>
+                        <a:rPr lang="en-US" dirty="0"/>
+                        <a:t>C</a:t>
+                      </a:r>
+                      <a:endParaRPr lang="en-SG" dirty="0"/>
+                    </a:p>
+                  </a:txBody>
+                  <a:tcPr/>
+                </a:tc>
+                <a:tc>
+                  <a:txBody>
+                    <a:bodyPr/>
+                    <a:lstStyle/>
+                    <a:p>
+                      <a:r>
+                        <a:rPr lang="en-US" dirty="0"/>
+                        <a:t>2</a:t>
+                      </a:r>
+                      <a:endParaRPr lang="en-SG" dirty="0"/>
+                    </a:p>
+                  </a:txBody>
+                  <a:tcPr/>
+                </a:tc>
+                <a:tc>
+                  <a:txBody>
+                    <a:bodyPr/>
+                    <a:lstStyle/>
+                    <a:p>
+                      <a:r>
+                        <a:rPr lang="en-US" dirty="0"/>
+                        <a:t>1</a:t>
+                      </a:r>
+                      <a:endParaRPr lang="en-SG" dirty="0"/>
+                    </a:p>
+                  </a:txBody>
+                  <a:tcPr/>
+                </a:tc>
+                <a:extLst>
+                  <a:ext uri="{0D108BD9-81ED-4DB2-BD59-A6C34878D82A}">
+                    <a16:rowId xmlns:a16="http://schemas.microsoft.com/office/drawing/2014/main" val="1342095360"/>
+                  </a:ext>
+                </a:extLst>
+              </a:tr>
+              <a:tr h="370840">
+                <a:tc>
+                  <a:txBody>
+                    <a:bodyPr/>
+                    <a:lstStyle/>
+                    <a:p>
+                      <a:r>
+                        <a:rPr lang="en-US" dirty="0"/>
+                        <a:t>D</a:t>
+                      </a:r>
+                      <a:endParaRPr lang="en-SG" dirty="0"/>
+                    </a:p>
+                  </a:txBody>
+                  <a:tcPr/>
+                </a:tc>
+                <a:tc>
+                  <a:txBody>
+                    <a:bodyPr/>
+                    <a:lstStyle/>
+                    <a:p>
+                      <a:r>
+                        <a:rPr lang="en-US" dirty="0"/>
+                        <a:t>3</a:t>
+                      </a:r>
+                      <a:endParaRPr lang="en-SG" dirty="0"/>
+                    </a:p>
+                  </a:txBody>
+                  <a:tcPr/>
+                </a:tc>
+                <a:tc>
+                  <a:txBody>
+                    <a:bodyPr/>
+                    <a:lstStyle/>
+                    <a:p>
+                      <a:r>
+                        <a:rPr lang="en-US" dirty="0"/>
+                        <a:t>1</a:t>
+                      </a:r>
+                      <a:endParaRPr lang="en-SG" dirty="0"/>
+                    </a:p>
+                  </a:txBody>
+                  <a:tcPr/>
+                </a:tc>
+                <a:extLst>
+                  <a:ext uri="{0D108BD9-81ED-4DB2-BD59-A6C34878D82A}">
+                    <a16:rowId xmlns:a16="http://schemas.microsoft.com/office/drawing/2014/main" val="566672358"/>
+                  </a:ext>
+                </a:extLst>
+              </a:tr>
+              <a:tr h="370840">
+                <a:tc>
+                  <a:txBody>
+                    <a:bodyPr/>
+                    <a:lstStyle/>
+                    <a:p>
+                      <a:r>
+                        <a:rPr lang="en-SG" dirty="0"/>
+                        <a:t>E</a:t>
+                      </a:r>
+                    </a:p>
+                  </a:txBody>
+                  <a:tcPr/>
+                </a:tc>
+                <a:tc>
+                  <a:txBody>
+                    <a:bodyPr/>
+                    <a:lstStyle/>
+                    <a:p>
+                      <a:r>
+                        <a:rPr lang="en-SG" dirty="0"/>
+                        <a:t>4</a:t>
+                      </a:r>
+                    </a:p>
+                  </a:txBody>
+                  <a:tcPr/>
+                </a:tc>
+                <a:tc>
+                  <a:txBody>
+                    <a:bodyPr/>
+                    <a:lstStyle/>
+                    <a:p>
+                      <a:r>
+                        <a:rPr lang="en-SG" dirty="0"/>
+                        <a:t>1</a:t>
+                      </a:r>
+                    </a:p>
+                  </a:txBody>
+                  <a:tcPr/>
+                </a:tc>
+                <a:extLst>
+                  <a:ext uri="{0D108BD9-81ED-4DB2-BD59-A6C34878D82A}">
+                    <a16:rowId xmlns:a16="http://schemas.microsoft.com/office/drawing/2014/main" val="2020896521"/>
+                  </a:ext>
+                </a:extLst>
+              </a:tr>
+            </a:tbl>
+          </a:graphicData>
+        </a:graphic>
+      </p:graphicFrame>
+      <mc:AlternateContent xmlns:mc="http://schemas.openxmlformats.org/markup-compatibility/2006">
+        <mc:Choice xmlns:a14="http://schemas.microsoft.com/office/drawing/2010/main" Requires="a14">
+          <p:graphicFrame>
+            <p:nvGraphicFramePr>
+              <p:cNvPr id="8" name="Table 7">
+                <a:extLst>
+                  <a:ext uri="{FF2B5EF4-FFF2-40B4-BE49-F238E27FC236}">
+                    <a16:creationId xmlns:a16="http://schemas.microsoft.com/office/drawing/2014/main" id="{CDB133F4-4955-8CB0-D6C6-99FCFCDF8334}"/>
+                  </a:ext>
+                </a:extLst>
+              </p:cNvPr>
+              <p:cNvGraphicFramePr>
+                <a:graphicFrameLocks noGrp="1"/>
+              </p:cNvGraphicFramePr>
+              <p:nvPr>
+                <p:extLst>
+                  <p:ext uri="{D42A27DB-BD31-4B8C-83A1-F6EECF244321}">
+                    <p14:modId xmlns:p14="http://schemas.microsoft.com/office/powerpoint/2010/main" val="719067251"/>
+                  </p:ext>
+                </p:extLst>
+              </p:nvPr>
+            </p:nvGraphicFramePr>
+            <p:xfrm>
+              <a:off x="1563574" y="3832547"/>
+              <a:ext cx="3640728" cy="1483360"/>
+            </p:xfrm>
+            <a:graphic>
+              <a:graphicData uri="http://schemas.openxmlformats.org/drawingml/2006/table">
+                <a:tbl>
+                  <a:tblPr firstRow="1" bandRow="1">
+                    <a:tableStyleId>{5940675A-B579-460E-94D1-54222C63F5DA}</a:tableStyleId>
+                  </a:tblPr>
+                  <a:tblGrid>
+                    <a:gridCol w="904604">
+                      <a:extLst>
+                        <a:ext uri="{9D8B030D-6E8A-4147-A177-3AD203B41FA5}">
+                          <a16:colId xmlns:a16="http://schemas.microsoft.com/office/drawing/2014/main" val="1313088508"/>
+                        </a:ext>
+                      </a:extLst>
+                    </a:gridCol>
+                    <a:gridCol w="2736124">
+                      <a:extLst>
+                        <a:ext uri="{9D8B030D-6E8A-4147-A177-3AD203B41FA5}">
+                          <a16:colId xmlns:a16="http://schemas.microsoft.com/office/drawing/2014/main" val="2104995432"/>
+                        </a:ext>
+                      </a:extLst>
+                    </a:gridCol>
+                  </a:tblGrid>
+                  <a:tr h="370840">
+                    <a:tc>
+                      <a:txBody>
+                        <a:bodyPr/>
+                        <a:lstStyle/>
+                        <a:p>
+                          <a:endParaRPr lang="en-SG" dirty="0"/>
+                        </a:p>
+                      </a:txBody>
+                      <a:tcPr/>
+                    </a:tc>
+                    <a:tc>
+                      <a:txBody>
+                        <a:bodyPr/>
+                        <a:lstStyle/>
+                        <a:p>
+                          <a:r>
+                            <a:rPr lang="en-US" dirty="0"/>
+                            <a:t>Mean Index</a:t>
+                          </a:r>
+                          <a:endParaRPr lang="en-SG" dirty="0"/>
+                        </a:p>
+                      </a:txBody>
+                      <a:tcPr/>
+                    </a:tc>
+                    <a:extLst>
+                      <a:ext uri="{0D108BD9-81ED-4DB2-BD59-A6C34878D82A}">
+                        <a16:rowId xmlns:a16="http://schemas.microsoft.com/office/drawing/2014/main" val="353177901"/>
+                      </a:ext>
+                    </a:extLst>
+                  </a:tr>
+                  <a:tr h="370840">
+                    <a:tc>
+                      <a:txBody>
+                        <a:bodyPr/>
+                        <a:lstStyle/>
+                        <a:p>
+                          <a:r>
+                            <a:rPr lang="en-US" dirty="0"/>
+                            <a:t>AC</a:t>
+                          </a:r>
+                          <a:endParaRPr lang="en-SG" dirty="0"/>
+                        </a:p>
+                      </a:txBody>
+                      <a:tcPr/>
+                    </a:tc>
+                    <a:tc>
+                      <a:txBody>
+                        <a:bodyPr/>
+                        <a:lstStyle/>
+                        <a:p>
+                          <a14:m>
+                            <m:oMathPara xmlns:m="http://schemas.openxmlformats.org/officeDocument/2006/math">
+                              <m:oMathParaPr>
+                                <m:jc m:val="centerGroup"/>
+                              </m:oMathParaPr>
+                              <m:oMath xmlns:m="http://schemas.openxmlformats.org/officeDocument/2006/math">
+                                <m:r>
+                                  <m:rPr>
+                                    <m:nor/>
+                                  </m:rPr>
+                                  <a:rPr lang="en-US" b="0" i="0" dirty="0" smtClean="0"/>
+                                  <m:t>1</m:t>
+                                </m:r>
+                                <m:r>
+                                  <a:rPr lang="en-US" i="1" dirty="0" smtClean="0">
+                                    <a:latin typeface="Cambria Math" panose="02040503050406030204" pitchFamily="18" charset="0"/>
+                                    <a:ea typeface="Cambria Math" panose="02040503050406030204" pitchFamily="18" charset="0"/>
+                                  </a:rPr>
+                                  <m:t>×</m:t>
+                                </m:r>
+                                <m:r>
+                                  <a:rPr lang="en-US" b="0" i="1" dirty="0" smtClean="0">
+                                    <a:latin typeface="Cambria Math" panose="02040503050406030204" pitchFamily="18" charset="0"/>
+                                    <a:ea typeface="Cambria Math" panose="02040503050406030204" pitchFamily="18" charset="0"/>
+                                  </a:rPr>
+                                  <m:t>2=2</m:t>
+                                </m:r>
+                              </m:oMath>
+                            </m:oMathPara>
+                          </a14:m>
+                          <a:endParaRPr lang="en-SG" dirty="0"/>
+                        </a:p>
+                      </a:txBody>
+                      <a:tcPr/>
+                    </a:tc>
+                    <a:extLst>
+                      <a:ext uri="{0D108BD9-81ED-4DB2-BD59-A6C34878D82A}">
+                        <a16:rowId xmlns:a16="http://schemas.microsoft.com/office/drawing/2014/main" val="1747954994"/>
+                      </a:ext>
+                    </a:extLst>
+                  </a:tr>
+                  <a:tr h="370840">
+                    <a:tc>
+                      <a:txBody>
+                        <a:bodyPr/>
+                        <a:lstStyle/>
+                        <a:p>
+                          <a:pPr marL="0" marR="0" lvl="0" indent="0" algn="l" defTabSz="914400" rtl="0" eaLnBrk="1" fontAlgn="auto" latinLnBrk="0" hangingPunct="1">
+                            <a:lnSpc>
+                              <a:spcPct val="100000"/>
+                            </a:lnSpc>
+                            <a:spcBef>
+                              <a:spcPts val="0"/>
+                            </a:spcBef>
+                            <a:spcAft>
+                              <a:spcPts val="0"/>
+                            </a:spcAft>
+                            <a:buClrTx/>
+                            <a:buSzTx/>
+                            <a:buFontTx/>
+                            <a:buNone/>
+                            <a:tabLst/>
+                            <a:defRPr/>
+                          </a:pPr>
+                          <a:r>
+                            <a:rPr lang="en-US" dirty="0"/>
+                            <a:t>CD</a:t>
+                          </a:r>
+                          <a:endParaRPr lang="en-SG" dirty="0"/>
+                        </a:p>
+                      </a:txBody>
+                      <a:tcPr/>
+                    </a:tc>
+                    <a:tc>
+                      <a:txBody>
+                        <a:bodyPr/>
+                        <a:lstStyle/>
+                        <a:p>
+                          <a:pPr/>
+                          <a14:m>
+                            <m:oMathPara xmlns:m="http://schemas.openxmlformats.org/officeDocument/2006/math">
+                              <m:oMathParaPr>
+                                <m:jc m:val="centerGroup"/>
+                              </m:oMathParaPr>
+                              <m:oMath xmlns:m="http://schemas.openxmlformats.org/officeDocument/2006/math">
+                                <m:r>
+                                  <m:rPr>
+                                    <m:nor/>
+                                  </m:rPr>
+                                  <a:rPr lang="en-US" i="0" dirty="0" smtClean="0">
+                                    <a:latin typeface="Cambria Math" panose="02040503050406030204" pitchFamily="18" charset="0"/>
+                                    <a:ea typeface="+mn-ea"/>
+                                  </a:rPr>
+                                  <m:t>2</m:t>
+                                </m:r>
+                                <m:r>
+                                  <a:rPr lang="en-US" i="1" dirty="0" smtClean="0">
+                                    <a:latin typeface="Cambria Math" panose="02040503050406030204" pitchFamily="18" charset="0"/>
+                                    <a:ea typeface="Cambria Math" panose="02040503050406030204" pitchFamily="18" charset="0"/>
+                                  </a:rPr>
+                                  <m:t>×</m:t>
+                                </m:r>
+                                <m:r>
+                                  <a:rPr lang="en-US" b="0" i="1" dirty="0" smtClean="0">
+                                    <a:latin typeface="Cambria Math" panose="02040503050406030204" pitchFamily="18" charset="0"/>
+                                    <a:ea typeface="Cambria Math" panose="02040503050406030204" pitchFamily="18" charset="0"/>
+                                  </a:rPr>
+                                  <m:t>3</m:t>
+                                </m:r>
+                                <m:r>
+                                  <a:rPr lang="en-US" b="0" i="1" dirty="0" smtClean="0">
+                                    <a:latin typeface="Cambria Math" panose="02040503050406030204" pitchFamily="18" charset="0"/>
+                                    <a:ea typeface="Cambria Math" panose="02040503050406030204" pitchFamily="18" charset="0"/>
+                                  </a:rPr>
+                                  <m:t>=</m:t>
+                                </m:r>
+                                <m:r>
+                                  <a:rPr lang="en-US" b="0" i="1" dirty="0" smtClean="0">
+                                    <a:latin typeface="Cambria Math" panose="02040503050406030204" pitchFamily="18" charset="0"/>
+                                    <a:ea typeface="Cambria Math" panose="02040503050406030204" pitchFamily="18" charset="0"/>
+                                  </a:rPr>
+                                  <m:t>6</m:t>
+                                </m:r>
+                              </m:oMath>
+                            </m:oMathPara>
+                          </a14:m>
+                          <a:endParaRPr lang="en-SG" dirty="0"/>
+                        </a:p>
+                      </a:txBody>
+                      <a:tcPr/>
+                    </a:tc>
+                    <a:extLst>
+                      <a:ext uri="{0D108BD9-81ED-4DB2-BD59-A6C34878D82A}">
+                        <a16:rowId xmlns:a16="http://schemas.microsoft.com/office/drawing/2014/main" val="241565200"/>
+                      </a:ext>
+                    </a:extLst>
+                  </a:tr>
+                  <a:tr h="370840">
+                    <a:tc>
+                      <a:txBody>
+                        <a:bodyPr/>
+                        <a:lstStyle/>
+                        <a:p>
+                          <a:pPr marL="0" marR="0" lvl="0" indent="0" algn="l" defTabSz="914400" rtl="0" eaLnBrk="1" fontAlgn="auto" latinLnBrk="0" hangingPunct="1">
+                            <a:lnSpc>
+                              <a:spcPct val="100000"/>
+                            </a:lnSpc>
+                            <a:spcBef>
+                              <a:spcPts val="0"/>
+                            </a:spcBef>
+                            <a:spcAft>
+                              <a:spcPts val="0"/>
+                            </a:spcAft>
+                            <a:buClrTx/>
+                            <a:buSzTx/>
+                            <a:buFontTx/>
+                            <a:buNone/>
+                            <a:tabLst/>
+                            <a:defRPr/>
+                          </a:pPr>
+                          <a:r>
+                            <a:rPr lang="en-SG" dirty="0"/>
+                            <a:t>DE</a:t>
+                          </a:r>
+                        </a:p>
+                      </a:txBody>
+                      <a:tcPr/>
+                    </a:tc>
+                    <a:tc>
+                      <a:txBody>
+                        <a:bodyPr/>
+                        <a:lstStyle/>
+                        <a:p>
+                          <a:pPr marL="0" marR="0" lvl="0" indent="0" algn="l" defTabSz="914400" rtl="0" eaLnBrk="1" fontAlgn="auto" latinLnBrk="0" hangingPunct="1">
+                            <a:lnSpc>
+                              <a:spcPct val="100000"/>
+                            </a:lnSpc>
+                            <a:spcBef>
+                              <a:spcPts val="0"/>
+                            </a:spcBef>
+                            <a:spcAft>
+                              <a:spcPts val="0"/>
+                            </a:spcAft>
+                            <a:buClrTx/>
+                            <a:buSzTx/>
+                            <a:buFontTx/>
+                            <a:buNone/>
+                            <a:tabLst/>
+                            <a:defRPr/>
+                          </a:pPr>
+                          <a14:m>
+                            <m:oMathPara xmlns:m="http://schemas.openxmlformats.org/officeDocument/2006/math">
+                              <m:oMathParaPr>
+                                <m:jc m:val="centerGroup"/>
+                              </m:oMathParaPr>
+                              <m:oMath xmlns:m="http://schemas.openxmlformats.org/officeDocument/2006/math">
+                                <m:r>
+                                  <m:rPr>
+                                    <m:nor/>
+                                  </m:rPr>
+                                  <a:rPr lang="en-US" b="0" i="0" dirty="0" smtClean="0">
+                                    <a:latin typeface="Cambria Math" panose="02040503050406030204" pitchFamily="18" charset="0"/>
+                                    <a:ea typeface="+mn-ea"/>
+                                  </a:rPr>
+                                  <m:t>3</m:t>
+                                </m:r>
+                                <m:r>
+                                  <a:rPr lang="en-US" i="1" dirty="0" smtClean="0">
+                                    <a:latin typeface="Cambria Math" panose="02040503050406030204" pitchFamily="18" charset="0"/>
+                                    <a:ea typeface="Cambria Math" panose="02040503050406030204" pitchFamily="18" charset="0"/>
+                                  </a:rPr>
+                                  <m:t>×</m:t>
+                                </m:r>
+                                <m:r>
+                                  <a:rPr lang="en-SG" b="0" i="1" dirty="0" smtClean="0">
+                                    <a:latin typeface="Cambria Math" panose="02040503050406030204" pitchFamily="18" charset="0"/>
+                                    <a:ea typeface="Cambria Math" panose="02040503050406030204" pitchFamily="18" charset="0"/>
+                                  </a:rPr>
+                                  <m:t>4</m:t>
+                                </m:r>
+                                <m:r>
+                                  <a:rPr lang="en-US" b="0" i="1" dirty="0" smtClean="0">
+                                    <a:latin typeface="Cambria Math" panose="02040503050406030204" pitchFamily="18" charset="0"/>
+                                    <a:ea typeface="Cambria Math" panose="02040503050406030204" pitchFamily="18" charset="0"/>
+                                  </a:rPr>
+                                  <m:t>=</m:t>
+                                </m:r>
+                                <m:r>
+                                  <a:rPr lang="en-SG" b="0" i="1" dirty="0" smtClean="0">
+                                    <a:latin typeface="Cambria Math" panose="02040503050406030204" pitchFamily="18" charset="0"/>
+                                    <a:ea typeface="Cambria Math" panose="02040503050406030204" pitchFamily="18" charset="0"/>
+                                  </a:rPr>
+                                  <m:t>12</m:t>
+                                </m:r>
+                              </m:oMath>
+                            </m:oMathPara>
+                          </a14:m>
+                          <a:endParaRPr lang="en-SG" dirty="0"/>
+                        </a:p>
+                      </a:txBody>
+                      <a:tcPr/>
+                    </a:tc>
+                    <a:extLst>
+                      <a:ext uri="{0D108BD9-81ED-4DB2-BD59-A6C34878D82A}">
+                        <a16:rowId xmlns:a16="http://schemas.microsoft.com/office/drawing/2014/main" val="478537533"/>
+                      </a:ext>
+                    </a:extLst>
+                  </a:tr>
+                </a:tbl>
+              </a:graphicData>
+            </a:graphic>
+          </p:graphicFrame>
+        </mc:Choice>
+        <mc:Fallback>
+          <p:graphicFrame>
+            <p:nvGraphicFramePr>
+              <p:cNvPr id="8" name="Table 7">
+                <a:extLst>
+                  <a:ext uri="{FF2B5EF4-FFF2-40B4-BE49-F238E27FC236}">
+                    <a16:creationId xmlns:a16="http://schemas.microsoft.com/office/drawing/2014/main" id="{CDB133F4-4955-8CB0-D6C6-99FCFCDF8334}"/>
+                  </a:ext>
+                </a:extLst>
+              </p:cNvPr>
+              <p:cNvGraphicFramePr>
+                <a:graphicFrameLocks noGrp="1"/>
+              </p:cNvGraphicFramePr>
+              <p:nvPr>
+                <p:extLst>
+                  <p:ext uri="{D42A27DB-BD31-4B8C-83A1-F6EECF244321}">
+                    <p14:modId xmlns:p14="http://schemas.microsoft.com/office/powerpoint/2010/main" val="719067251"/>
+                  </p:ext>
+                </p:extLst>
+              </p:nvPr>
+            </p:nvGraphicFramePr>
+            <p:xfrm>
+              <a:off x="1563574" y="3832547"/>
+              <a:ext cx="3640728" cy="1483360"/>
+            </p:xfrm>
+            <a:graphic>
+              <a:graphicData uri="http://schemas.openxmlformats.org/drawingml/2006/table">
+                <a:tbl>
+                  <a:tblPr firstRow="1" bandRow="1">
+                    <a:tableStyleId>{5940675A-B579-460E-94D1-54222C63F5DA}</a:tableStyleId>
+                  </a:tblPr>
+                  <a:tblGrid>
+                    <a:gridCol w="904604">
+                      <a:extLst>
+                        <a:ext uri="{9D8B030D-6E8A-4147-A177-3AD203B41FA5}">
+                          <a16:colId xmlns:a16="http://schemas.microsoft.com/office/drawing/2014/main" val="1313088508"/>
+                        </a:ext>
+                      </a:extLst>
+                    </a:gridCol>
+                    <a:gridCol w="2736124">
+                      <a:extLst>
+                        <a:ext uri="{9D8B030D-6E8A-4147-A177-3AD203B41FA5}">
+                          <a16:colId xmlns:a16="http://schemas.microsoft.com/office/drawing/2014/main" val="2104995432"/>
+                        </a:ext>
+                      </a:extLst>
+                    </a:gridCol>
+                  </a:tblGrid>
+                  <a:tr h="370840">
+                    <a:tc>
+                      <a:txBody>
+                        <a:bodyPr/>
+                        <a:lstStyle/>
+                        <a:p>
+                          <a:endParaRPr lang="en-SG" dirty="0"/>
+                        </a:p>
+                      </a:txBody>
+                      <a:tcPr/>
+                    </a:tc>
+                    <a:tc>
+                      <a:txBody>
+                        <a:bodyPr/>
+                        <a:lstStyle/>
+                        <a:p>
+                          <a:r>
+                            <a:rPr lang="en-US" dirty="0"/>
+                            <a:t>Mean Index</a:t>
+                          </a:r>
+                          <a:endParaRPr lang="en-SG" dirty="0"/>
+                        </a:p>
+                      </a:txBody>
+                      <a:tcPr/>
+                    </a:tc>
+                    <a:extLst>
+                      <a:ext uri="{0D108BD9-81ED-4DB2-BD59-A6C34878D82A}">
+                        <a16:rowId xmlns:a16="http://schemas.microsoft.com/office/drawing/2014/main" val="353177901"/>
+                      </a:ext>
+                    </a:extLst>
+                  </a:tr>
+                  <a:tr h="370840">
+                    <a:tc>
+                      <a:txBody>
+                        <a:bodyPr/>
+                        <a:lstStyle/>
+                        <a:p>
+                          <a:r>
+                            <a:rPr lang="en-US" dirty="0"/>
+                            <a:t>AC</a:t>
+                          </a:r>
+                          <a:endParaRPr lang="en-SG" dirty="0"/>
+                        </a:p>
+                      </a:txBody>
+                      <a:tcPr/>
+                    </a:tc>
+                    <a:tc>
+                      <a:txBody>
+                        <a:bodyPr/>
+                        <a:lstStyle/>
+                        <a:p>
+                          <a:endParaRPr lang="en-US"/>
+                        </a:p>
+                      </a:txBody>
+                      <a:tcPr>
+                        <a:blipFill>
+                          <a:blip r:embed="rId2"/>
+                          <a:stretch>
+                            <a:fillRect l="-33408" t="-104839" r="-445" b="-220968"/>
+                          </a:stretch>
+                        </a:blipFill>
+                      </a:tcPr>
+                    </a:tc>
+                    <a:extLst>
+                      <a:ext uri="{0D108BD9-81ED-4DB2-BD59-A6C34878D82A}">
+                        <a16:rowId xmlns:a16="http://schemas.microsoft.com/office/drawing/2014/main" val="1747954994"/>
+                      </a:ext>
+                    </a:extLst>
+                  </a:tr>
+                  <a:tr h="370840">
+                    <a:tc>
+                      <a:txBody>
+                        <a:bodyPr/>
+                        <a:lstStyle/>
+                        <a:p>
+                          <a:pPr marL="0" marR="0" lvl="0" indent="0" algn="l" defTabSz="914400" rtl="0" eaLnBrk="1" fontAlgn="auto" latinLnBrk="0" hangingPunct="1">
+                            <a:lnSpc>
+                              <a:spcPct val="100000"/>
+                            </a:lnSpc>
+                            <a:spcBef>
+                              <a:spcPts val="0"/>
+                            </a:spcBef>
+                            <a:spcAft>
+                              <a:spcPts val="0"/>
+                            </a:spcAft>
+                            <a:buClrTx/>
+                            <a:buSzTx/>
+                            <a:buFontTx/>
+                            <a:buNone/>
+                            <a:tabLst/>
+                            <a:defRPr/>
+                          </a:pPr>
+                          <a:r>
+                            <a:rPr lang="en-US" dirty="0"/>
+                            <a:t>CD</a:t>
+                          </a:r>
+                          <a:endParaRPr lang="en-SG" dirty="0"/>
+                        </a:p>
+                      </a:txBody>
+                      <a:tcPr/>
+                    </a:tc>
+                    <a:tc>
+                      <a:txBody>
+                        <a:bodyPr/>
+                        <a:lstStyle/>
+                        <a:p>
+                          <a:endParaRPr lang="en-US"/>
+                        </a:p>
+                      </a:txBody>
+                      <a:tcPr>
+                        <a:blipFill>
+                          <a:blip r:embed="rId2"/>
+                          <a:stretch>
+                            <a:fillRect l="-33408" t="-208197" r="-445" b="-124590"/>
+                          </a:stretch>
+                        </a:blipFill>
+                      </a:tcPr>
+                    </a:tc>
+                    <a:extLst>
+                      <a:ext uri="{0D108BD9-81ED-4DB2-BD59-A6C34878D82A}">
+                        <a16:rowId xmlns:a16="http://schemas.microsoft.com/office/drawing/2014/main" val="241565200"/>
+                      </a:ext>
+                    </a:extLst>
+                  </a:tr>
+                  <a:tr h="370840">
+                    <a:tc>
+                      <a:txBody>
+                        <a:bodyPr/>
+                        <a:lstStyle/>
+                        <a:p>
+                          <a:pPr marL="0" marR="0" lvl="0" indent="0" algn="l" defTabSz="914400" rtl="0" eaLnBrk="1" fontAlgn="auto" latinLnBrk="0" hangingPunct="1">
+                            <a:lnSpc>
+                              <a:spcPct val="100000"/>
+                            </a:lnSpc>
+                            <a:spcBef>
+                              <a:spcPts val="0"/>
+                            </a:spcBef>
+                            <a:spcAft>
+                              <a:spcPts val="0"/>
+                            </a:spcAft>
+                            <a:buClrTx/>
+                            <a:buSzTx/>
+                            <a:buFontTx/>
+                            <a:buNone/>
+                            <a:tabLst/>
+                            <a:defRPr/>
+                          </a:pPr>
+                          <a:r>
+                            <a:rPr lang="en-SG" dirty="0"/>
+                            <a:t>DE</a:t>
+                          </a:r>
+                        </a:p>
+                      </a:txBody>
+                      <a:tcPr/>
+                    </a:tc>
+                    <a:tc>
+                      <a:txBody>
+                        <a:bodyPr/>
+                        <a:lstStyle/>
+                        <a:p>
+                          <a:endParaRPr lang="en-US"/>
+                        </a:p>
+                      </a:txBody>
+                      <a:tcPr>
+                        <a:blipFill>
+                          <a:blip r:embed="rId2"/>
+                          <a:stretch>
+                            <a:fillRect l="-33408" t="-308197" r="-445" b="-24590"/>
+                          </a:stretch>
+                        </a:blipFill>
+                      </a:tcPr>
+                    </a:tc>
+                    <a:extLst>
+                      <a:ext uri="{0D108BD9-81ED-4DB2-BD59-A6C34878D82A}">
+                        <a16:rowId xmlns:a16="http://schemas.microsoft.com/office/drawing/2014/main" val="478537533"/>
+                      </a:ext>
+                    </a:extLst>
+                  </a:tr>
+                </a:tbl>
+              </a:graphicData>
+            </a:graphic>
+          </p:graphicFrame>
+        </mc:Fallback>
+      </mc:AlternateContent>
+      <p:sp>
+        <p:nvSpPr>
+          <p:cNvPr id="10" name="TextBox 9">
+            <a:extLst>
+              <a:ext uri="{FF2B5EF4-FFF2-40B4-BE49-F238E27FC236}">
+                <a16:creationId xmlns:a16="http://schemas.microsoft.com/office/drawing/2014/main" id="{FAB90CD0-2EA9-45D7-4518-810565BB6E18}"/>
+              </a:ext>
+            </a:extLst>
+          </p:cNvPr>
+          <p:cNvSpPr txBox="1"/>
+          <p:nvPr/>
+        </p:nvSpPr>
+        <p:spPr>
+          <a:xfrm>
+            <a:off x="1347877" y="92948"/>
+            <a:ext cx="6094562" cy="369332"/>
+          </a:xfrm>
+          <a:prstGeom prst="rect">
+            <a:avLst/>
+          </a:prstGeom>
+          <a:noFill/>
+        </p:spPr>
+        <p:txBody>
+          <a:bodyPr wrap="square">
+            <a:spAutoFit/>
+          </a:bodyPr>
+          <a:lstStyle/>
+          <a:p>
+            <a:r>
+              <a:rPr lang="en-US" dirty="0"/>
+              <a:t>ACD</a:t>
+            </a:r>
+            <a:endParaRPr lang="en-SG" dirty="0"/>
+          </a:p>
+        </p:txBody>
+      </p:sp>
+      <p:graphicFrame>
+        <p:nvGraphicFramePr>
+          <p:cNvPr id="2" name="Table 1">
+            <a:extLst>
+              <a:ext uri="{FF2B5EF4-FFF2-40B4-BE49-F238E27FC236}">
+                <a16:creationId xmlns:a16="http://schemas.microsoft.com/office/drawing/2014/main" id="{A4D36881-C684-CF78-86AF-A9713743FD1E}"/>
+              </a:ext>
+            </a:extLst>
+          </p:cNvPr>
+          <p:cNvGraphicFramePr>
+            <a:graphicFrameLocks noGrp="1"/>
+          </p:cNvGraphicFramePr>
+          <p:nvPr>
+            <p:extLst>
+              <p:ext uri="{D42A27DB-BD31-4B8C-83A1-F6EECF244321}">
+                <p14:modId xmlns:p14="http://schemas.microsoft.com/office/powerpoint/2010/main" val="1769810113"/>
+              </p:ext>
+            </p:extLst>
+          </p:nvPr>
+        </p:nvGraphicFramePr>
+        <p:xfrm>
+          <a:off x="3502324" y="802894"/>
+          <a:ext cx="3716544" cy="1752600"/>
+        </p:xfrm>
+        <a:graphic>
+          <a:graphicData uri="http://schemas.openxmlformats.org/drawingml/2006/table">
+            <a:tbl>
+              <a:tblPr firstRow="1" bandRow="1">
+                <a:tableStyleId>{5940675A-B579-460E-94D1-54222C63F5DA}</a:tableStyleId>
+              </a:tblPr>
+              <a:tblGrid>
+                <a:gridCol w="929136">
+                  <a:extLst>
+                    <a:ext uri="{9D8B030D-6E8A-4147-A177-3AD203B41FA5}">
+                      <a16:colId xmlns:a16="http://schemas.microsoft.com/office/drawing/2014/main" val="647138508"/>
+                    </a:ext>
+                  </a:extLst>
+                </a:gridCol>
+                <a:gridCol w="929136">
+                  <a:extLst>
+                    <a:ext uri="{9D8B030D-6E8A-4147-A177-3AD203B41FA5}">
+                      <a16:colId xmlns:a16="http://schemas.microsoft.com/office/drawing/2014/main" val="3014961356"/>
+                    </a:ext>
+                  </a:extLst>
+                </a:gridCol>
+                <a:gridCol w="929136">
+                  <a:extLst>
+                    <a:ext uri="{9D8B030D-6E8A-4147-A177-3AD203B41FA5}">
+                      <a16:colId xmlns:a16="http://schemas.microsoft.com/office/drawing/2014/main" val="2488967126"/>
+                    </a:ext>
+                  </a:extLst>
+                </a:gridCol>
+                <a:gridCol w="929136">
+                  <a:extLst>
+                    <a:ext uri="{9D8B030D-6E8A-4147-A177-3AD203B41FA5}">
+                      <a16:colId xmlns:a16="http://schemas.microsoft.com/office/drawing/2014/main" val="3384862702"/>
+                    </a:ext>
+                  </a:extLst>
+                </a:gridCol>
+              </a:tblGrid>
+              <a:tr h="370840">
+                <a:tc>
+                  <a:txBody>
+                    <a:bodyPr/>
+                    <a:lstStyle/>
+                    <a:p>
+                      <a:r>
+                        <a:rPr lang="en-US" dirty="0"/>
+                        <a:t>Mean </a:t>
+                      </a:r>
+                      <a:r>
+                        <a:rPr lang="en-US" dirty="0" err="1"/>
+                        <a:t>Indes</a:t>
+                      </a:r>
+                      <a:endParaRPr lang="en-SG" dirty="0"/>
+                    </a:p>
+                  </a:txBody>
+                  <a:tcPr/>
+                </a:tc>
+                <a:tc>
+                  <a:txBody>
+                    <a:bodyPr/>
+                    <a:lstStyle/>
+                    <a:p>
+                      <a:r>
+                        <a:rPr lang="en-US" dirty="0"/>
+                        <a:t>A</a:t>
+                      </a:r>
+                      <a:endParaRPr lang="en-SG" dirty="0"/>
+                    </a:p>
+                  </a:txBody>
+                  <a:tcPr/>
+                </a:tc>
+                <a:tc>
+                  <a:txBody>
+                    <a:bodyPr/>
+                    <a:lstStyle/>
+                    <a:p>
+                      <a:r>
+                        <a:rPr lang="en-US" dirty="0"/>
+                        <a:t>C</a:t>
+                      </a:r>
+                      <a:endParaRPr lang="en-SG" dirty="0"/>
+                    </a:p>
+                  </a:txBody>
+                  <a:tcPr/>
+                </a:tc>
+                <a:tc>
+                  <a:txBody>
+                    <a:bodyPr/>
+                    <a:lstStyle/>
+                    <a:p>
+                      <a:r>
+                        <a:rPr lang="en-US" dirty="0"/>
+                        <a:t>D</a:t>
+                      </a:r>
+                      <a:endParaRPr lang="en-SG" dirty="0"/>
+                    </a:p>
+                  </a:txBody>
+                  <a:tcPr/>
+                </a:tc>
+                <a:extLst>
+                  <a:ext uri="{0D108BD9-81ED-4DB2-BD59-A6C34878D82A}">
+                    <a16:rowId xmlns:a16="http://schemas.microsoft.com/office/drawing/2014/main" val="2369670167"/>
+                  </a:ext>
+                </a:extLst>
+              </a:tr>
+              <a:tr h="370840">
+                <a:tc>
+                  <a:txBody>
+                    <a:bodyPr/>
+                    <a:lstStyle/>
+                    <a:p>
+                      <a:r>
+                        <a:rPr lang="en-US" dirty="0"/>
+                        <a:t>A</a:t>
+                      </a:r>
+                      <a:endParaRPr lang="en-SG" dirty="0"/>
+                    </a:p>
+                  </a:txBody>
+                  <a:tcPr/>
+                </a:tc>
+                <a:tc>
+                  <a:txBody>
+                    <a:bodyPr/>
+                    <a:lstStyle/>
+                    <a:p>
+                      <a:r>
+                        <a:rPr lang="en-US" dirty="0"/>
+                        <a:t>2</a:t>
+                      </a:r>
+                      <a:endParaRPr lang="en-SG" dirty="0"/>
+                    </a:p>
+                  </a:txBody>
+                  <a:tcPr/>
+                </a:tc>
+                <a:tc>
+                  <a:txBody>
+                    <a:bodyPr/>
+                    <a:lstStyle/>
+                    <a:p>
+                      <a:r>
+                        <a:rPr lang="en-US" dirty="0"/>
+                        <a:t>-2</a:t>
+                      </a:r>
+                      <a:endParaRPr lang="en-SG" dirty="0"/>
+                    </a:p>
+                  </a:txBody>
+                  <a:tcPr/>
+                </a:tc>
+                <a:tc>
+                  <a:txBody>
+                    <a:bodyPr/>
+                    <a:lstStyle/>
+                    <a:p>
+                      <a:r>
+                        <a:rPr lang="en-US" dirty="0"/>
+                        <a:t>0</a:t>
+                      </a:r>
+                      <a:endParaRPr lang="en-SG" dirty="0"/>
+                    </a:p>
+                  </a:txBody>
+                  <a:tcPr/>
+                </a:tc>
+                <a:extLst>
+                  <a:ext uri="{0D108BD9-81ED-4DB2-BD59-A6C34878D82A}">
+                    <a16:rowId xmlns:a16="http://schemas.microsoft.com/office/drawing/2014/main" val="181074989"/>
+                  </a:ext>
+                </a:extLst>
+              </a:tr>
+              <a:tr h="370840">
+                <a:tc>
+                  <a:txBody>
+                    <a:bodyPr/>
+                    <a:lstStyle/>
+                    <a:p>
+                      <a:r>
+                        <a:rPr lang="en-US" dirty="0"/>
+                        <a:t>C</a:t>
+                      </a:r>
+                      <a:endParaRPr lang="en-SG" dirty="0"/>
+                    </a:p>
+                  </a:txBody>
+                  <a:tcPr/>
+                </a:tc>
+                <a:tc>
+                  <a:txBody>
+                    <a:bodyPr/>
+                    <a:lstStyle/>
+                    <a:p>
+                      <a:r>
+                        <a:rPr lang="en-US" dirty="0"/>
+                        <a:t>-2</a:t>
+                      </a:r>
+                      <a:endParaRPr lang="en-SG" dirty="0"/>
+                    </a:p>
+                  </a:txBody>
+                  <a:tcPr/>
+                </a:tc>
+                <a:tc>
+                  <a:txBody>
+                    <a:bodyPr/>
+                    <a:lstStyle/>
+                    <a:p>
+                      <a:r>
+                        <a:rPr lang="en-US" dirty="0"/>
+                        <a:t>8</a:t>
+                      </a:r>
+                      <a:endParaRPr lang="en-SG" dirty="0"/>
+                    </a:p>
+                  </a:txBody>
+                  <a:tcPr/>
+                </a:tc>
+                <a:tc>
+                  <a:txBody>
+                    <a:bodyPr/>
+                    <a:lstStyle/>
+                    <a:p>
+                      <a:r>
+                        <a:rPr lang="en-US" dirty="0"/>
+                        <a:t>-6</a:t>
+                      </a:r>
+                      <a:endParaRPr lang="en-SG" dirty="0"/>
+                    </a:p>
+                  </a:txBody>
+                  <a:tcPr/>
+                </a:tc>
+                <a:extLst>
+                  <a:ext uri="{0D108BD9-81ED-4DB2-BD59-A6C34878D82A}">
+                    <a16:rowId xmlns:a16="http://schemas.microsoft.com/office/drawing/2014/main" val="2493587043"/>
+                  </a:ext>
+                </a:extLst>
+              </a:tr>
+              <a:tr h="370840">
+                <a:tc>
+                  <a:txBody>
+                    <a:bodyPr/>
+                    <a:lstStyle/>
+                    <a:p>
+                      <a:r>
+                        <a:rPr lang="en-US" dirty="0"/>
+                        <a:t>D</a:t>
+                      </a:r>
+                      <a:endParaRPr lang="en-SG" dirty="0"/>
+                    </a:p>
+                  </a:txBody>
+                  <a:tcPr/>
+                </a:tc>
+                <a:tc>
+                  <a:txBody>
+                    <a:bodyPr/>
+                    <a:lstStyle/>
+                    <a:p>
+                      <a:r>
+                        <a:rPr lang="en-US" dirty="0"/>
+                        <a:t>0</a:t>
+                      </a:r>
+                      <a:endParaRPr lang="en-SG" dirty="0"/>
+                    </a:p>
+                  </a:txBody>
+                  <a:tcPr/>
+                </a:tc>
+                <a:tc>
+                  <a:txBody>
+                    <a:bodyPr/>
+                    <a:lstStyle/>
+                    <a:p>
+                      <a:r>
+                        <a:rPr lang="en-US" dirty="0"/>
+                        <a:t>-6</a:t>
+                      </a:r>
+                      <a:endParaRPr lang="en-SG" dirty="0"/>
+                    </a:p>
+                  </a:txBody>
+                  <a:tcPr/>
+                </a:tc>
+                <a:tc>
+                  <a:txBody>
+                    <a:bodyPr/>
+                    <a:lstStyle/>
+                    <a:p>
+                      <a:r>
+                        <a:rPr lang="en-US" dirty="0"/>
+                        <a:t>6</a:t>
+                      </a:r>
+                      <a:endParaRPr lang="en-SG" dirty="0"/>
+                    </a:p>
+                  </a:txBody>
+                  <a:tcPr/>
+                </a:tc>
+                <a:extLst>
+                  <a:ext uri="{0D108BD9-81ED-4DB2-BD59-A6C34878D82A}">
+                    <a16:rowId xmlns:a16="http://schemas.microsoft.com/office/drawing/2014/main" val="698609253"/>
+                  </a:ext>
+                </a:extLst>
+              </a:tr>
+            </a:tbl>
+          </a:graphicData>
+        </a:graphic>
+      </p:graphicFrame>
+      <p:sp>
+        <p:nvSpPr>
+          <p:cNvPr id="3" name="TextBox 2">
+            <a:extLst>
+              <a:ext uri="{FF2B5EF4-FFF2-40B4-BE49-F238E27FC236}">
+                <a16:creationId xmlns:a16="http://schemas.microsoft.com/office/drawing/2014/main" id="{847236E0-3F27-4F51-B3DF-D7CA85326726}"/>
+              </a:ext>
+            </a:extLst>
+          </p:cNvPr>
+          <p:cNvSpPr txBox="1"/>
+          <p:nvPr/>
+        </p:nvSpPr>
+        <p:spPr>
+          <a:xfrm>
+            <a:off x="5204302" y="200922"/>
+            <a:ext cx="1846724" cy="369332"/>
+          </a:xfrm>
+          <a:prstGeom prst="rect">
+            <a:avLst/>
+          </a:prstGeom>
+          <a:noFill/>
+        </p:spPr>
+        <p:txBody>
+          <a:bodyPr wrap="none" rtlCol="0">
+            <a:spAutoFit/>
+          </a:bodyPr>
+          <a:lstStyle/>
+          <a:p>
+            <a:r>
+              <a:rPr lang="en-SG" dirty="0" err="1"/>
+              <a:t>Unormalized</a:t>
+            </a:r>
+            <a:r>
+              <a:rPr lang="en-SG" dirty="0"/>
+              <a:t> L_0</a:t>
+            </a:r>
+          </a:p>
+        </p:txBody>
+      </p:sp>
+      <p:graphicFrame>
+        <p:nvGraphicFramePr>
+          <p:cNvPr id="6" name="Table 5">
+            <a:extLst>
+              <a:ext uri="{FF2B5EF4-FFF2-40B4-BE49-F238E27FC236}">
+                <a16:creationId xmlns:a16="http://schemas.microsoft.com/office/drawing/2014/main" id="{CA1EA84C-FDB1-9D8B-6465-9230321C8355}"/>
+              </a:ext>
+            </a:extLst>
+          </p:cNvPr>
+          <p:cNvGraphicFramePr>
+            <a:graphicFrameLocks noGrp="1"/>
+          </p:cNvGraphicFramePr>
+          <p:nvPr>
+            <p:extLst>
+              <p:ext uri="{D42A27DB-BD31-4B8C-83A1-F6EECF244321}">
+                <p14:modId xmlns:p14="http://schemas.microsoft.com/office/powerpoint/2010/main" val="162754778"/>
+              </p:ext>
+            </p:extLst>
+          </p:nvPr>
+        </p:nvGraphicFramePr>
+        <p:xfrm>
+          <a:off x="8032630" y="1176834"/>
+          <a:ext cx="2880000" cy="2880000"/>
+        </p:xfrm>
+        <a:graphic>
+          <a:graphicData uri="http://schemas.openxmlformats.org/drawingml/2006/table">
+            <a:tbl>
+              <a:tblPr firstRow="1" bandRow="1">
+                <a:tableStyleId>{5940675A-B579-460E-94D1-54222C63F5DA}</a:tableStyleId>
+              </a:tblPr>
+              <a:tblGrid>
+                <a:gridCol w="720000">
+                  <a:extLst>
+                    <a:ext uri="{9D8B030D-6E8A-4147-A177-3AD203B41FA5}">
+                      <a16:colId xmlns:a16="http://schemas.microsoft.com/office/drawing/2014/main" val="647138508"/>
+                    </a:ext>
+                  </a:extLst>
+                </a:gridCol>
+                <a:gridCol w="720000">
+                  <a:extLst>
+                    <a:ext uri="{9D8B030D-6E8A-4147-A177-3AD203B41FA5}">
+                      <a16:colId xmlns:a16="http://schemas.microsoft.com/office/drawing/2014/main" val="3014961356"/>
+                    </a:ext>
+                  </a:extLst>
+                </a:gridCol>
+                <a:gridCol w="720000">
+                  <a:extLst>
+                    <a:ext uri="{9D8B030D-6E8A-4147-A177-3AD203B41FA5}">
+                      <a16:colId xmlns:a16="http://schemas.microsoft.com/office/drawing/2014/main" val="2488967126"/>
+                    </a:ext>
+                  </a:extLst>
+                </a:gridCol>
+                <a:gridCol w="720000">
+                  <a:extLst>
+                    <a:ext uri="{9D8B030D-6E8A-4147-A177-3AD203B41FA5}">
+                      <a16:colId xmlns:a16="http://schemas.microsoft.com/office/drawing/2014/main" val="3384862702"/>
+                    </a:ext>
+                  </a:extLst>
+                </a:gridCol>
+              </a:tblGrid>
+              <a:tr h="720000">
+                <a:tc>
+                  <a:txBody>
+                    <a:bodyPr/>
+                    <a:lstStyle/>
+                    <a:p>
+                      <a:r>
+                        <a:rPr lang="en-US" dirty="0"/>
+                        <a:t>Freq  </a:t>
+                      </a:r>
+                      <a:endParaRPr lang="en-SG" dirty="0"/>
+                    </a:p>
+                  </a:txBody>
+                  <a:tcPr/>
+                </a:tc>
+                <a:tc>
+                  <a:txBody>
+                    <a:bodyPr/>
+                    <a:lstStyle/>
+                    <a:p>
+                      <a:r>
+                        <a:rPr lang="en-US" dirty="0"/>
+                        <a:t>A</a:t>
+                      </a:r>
+                      <a:endParaRPr lang="en-SG" dirty="0"/>
+                    </a:p>
+                  </a:txBody>
+                  <a:tcPr/>
+                </a:tc>
+                <a:tc>
+                  <a:txBody>
+                    <a:bodyPr/>
+                    <a:lstStyle/>
+                    <a:p>
+                      <a:r>
+                        <a:rPr lang="en-US" dirty="0"/>
+                        <a:t>C</a:t>
+                      </a:r>
+                      <a:endParaRPr lang="en-SG" dirty="0"/>
+                    </a:p>
+                  </a:txBody>
+                  <a:tcPr/>
+                </a:tc>
+                <a:tc>
+                  <a:txBody>
+                    <a:bodyPr/>
+                    <a:lstStyle/>
+                    <a:p>
+                      <a:r>
+                        <a:rPr lang="en-US" dirty="0"/>
+                        <a:t>D</a:t>
+                      </a:r>
+                      <a:endParaRPr lang="en-SG" dirty="0"/>
+                    </a:p>
+                  </a:txBody>
+                  <a:tcPr/>
+                </a:tc>
+                <a:extLst>
+                  <a:ext uri="{0D108BD9-81ED-4DB2-BD59-A6C34878D82A}">
+                    <a16:rowId xmlns:a16="http://schemas.microsoft.com/office/drawing/2014/main" val="2369670167"/>
+                  </a:ext>
+                </a:extLst>
+              </a:tr>
+              <a:tr h="720000">
+                <a:tc>
+                  <a:txBody>
+                    <a:bodyPr/>
+                    <a:lstStyle/>
+                    <a:p>
+                      <a:r>
+                        <a:rPr lang="en-US" dirty="0"/>
+                        <a:t>A</a:t>
+                      </a:r>
+                      <a:endParaRPr lang="en-SG" dirty="0"/>
+                    </a:p>
+                  </a:txBody>
+                  <a:tcPr/>
+                </a:tc>
+                <a:tc>
+                  <a:txBody>
+                    <a:bodyPr/>
+                    <a:lstStyle/>
+                    <a:p>
+                      <a:r>
+                        <a:rPr lang="en-US" dirty="0"/>
+                        <a:t>1</a:t>
+                      </a:r>
+                      <a:endParaRPr lang="en-SG" dirty="0"/>
+                    </a:p>
+                  </a:txBody>
+                  <a:tcPr/>
+                </a:tc>
+                <a:tc>
+                  <a:txBody>
+                    <a:bodyPr/>
+                    <a:lstStyle/>
+                    <a:p>
+                      <a:r>
+                        <a:rPr lang="en-US" dirty="0"/>
+                        <a:t>-1</a:t>
+                      </a:r>
+                      <a:endParaRPr lang="en-SG" dirty="0"/>
+                    </a:p>
+                  </a:txBody>
+                  <a:tcPr/>
+                </a:tc>
+                <a:tc>
+                  <a:txBody>
+                    <a:bodyPr/>
+                    <a:lstStyle/>
+                    <a:p>
+                      <a:r>
+                        <a:rPr lang="en-US" dirty="0"/>
+                        <a:t>0</a:t>
+                      </a:r>
+                      <a:endParaRPr lang="en-SG" dirty="0"/>
+                    </a:p>
+                  </a:txBody>
+                  <a:tcPr/>
+                </a:tc>
+                <a:extLst>
+                  <a:ext uri="{0D108BD9-81ED-4DB2-BD59-A6C34878D82A}">
+                    <a16:rowId xmlns:a16="http://schemas.microsoft.com/office/drawing/2014/main" val="181074989"/>
+                  </a:ext>
+                </a:extLst>
+              </a:tr>
+              <a:tr h="720000">
+                <a:tc>
+                  <a:txBody>
+                    <a:bodyPr/>
+                    <a:lstStyle/>
+                    <a:p>
+                      <a:r>
+                        <a:rPr lang="en-US" dirty="0"/>
+                        <a:t>C</a:t>
+                      </a:r>
+                      <a:endParaRPr lang="en-SG" dirty="0"/>
+                    </a:p>
+                  </a:txBody>
+                  <a:tcPr/>
+                </a:tc>
+                <a:tc>
+                  <a:txBody>
+                    <a:bodyPr/>
+                    <a:lstStyle/>
+                    <a:p>
+                      <a:r>
+                        <a:rPr lang="en-US" dirty="0"/>
+                        <a:t>-1</a:t>
+                      </a:r>
+                      <a:endParaRPr lang="en-SG" dirty="0"/>
+                    </a:p>
+                  </a:txBody>
+                  <a:tcPr/>
+                </a:tc>
+                <a:tc>
+                  <a:txBody>
+                    <a:bodyPr/>
+                    <a:lstStyle/>
+                    <a:p>
+                      <a:r>
+                        <a:rPr lang="en-US" dirty="0"/>
+                        <a:t>1</a:t>
+                      </a:r>
+                      <a:endParaRPr lang="en-SG" dirty="0"/>
+                    </a:p>
+                  </a:txBody>
+                  <a:tcPr/>
+                </a:tc>
+                <a:tc>
+                  <a:txBody>
+                    <a:bodyPr/>
+                    <a:lstStyle/>
+                    <a:p>
+                      <a:r>
+                        <a:rPr lang="en-US" dirty="0"/>
+                        <a:t>-1</a:t>
+                      </a:r>
+                      <a:endParaRPr lang="en-SG" dirty="0"/>
+                    </a:p>
+                  </a:txBody>
+                  <a:tcPr/>
+                </a:tc>
+                <a:extLst>
+                  <a:ext uri="{0D108BD9-81ED-4DB2-BD59-A6C34878D82A}">
+                    <a16:rowId xmlns:a16="http://schemas.microsoft.com/office/drawing/2014/main" val="2493587043"/>
+                  </a:ext>
+                </a:extLst>
+              </a:tr>
+              <a:tr h="720000">
+                <a:tc>
+                  <a:txBody>
+                    <a:bodyPr/>
+                    <a:lstStyle/>
+                    <a:p>
+                      <a:r>
+                        <a:rPr lang="en-US" dirty="0"/>
+                        <a:t>D</a:t>
+                      </a:r>
+                      <a:endParaRPr lang="en-SG" dirty="0"/>
+                    </a:p>
+                  </a:txBody>
+                  <a:tcPr/>
+                </a:tc>
+                <a:tc>
+                  <a:txBody>
+                    <a:bodyPr/>
+                    <a:lstStyle/>
+                    <a:p>
+                      <a:r>
+                        <a:rPr lang="en-US" dirty="0"/>
+                        <a:t>0</a:t>
+                      </a:r>
+                      <a:endParaRPr lang="en-SG" dirty="0"/>
+                    </a:p>
+                  </a:txBody>
+                  <a:tcPr/>
+                </a:tc>
+                <a:tc>
+                  <a:txBody>
+                    <a:bodyPr/>
+                    <a:lstStyle/>
+                    <a:p>
+                      <a:r>
+                        <a:rPr lang="en-US" dirty="0"/>
+                        <a:t>-1</a:t>
+                      </a:r>
+                      <a:endParaRPr lang="en-SG" dirty="0"/>
+                    </a:p>
+                  </a:txBody>
+                  <a:tcPr/>
+                </a:tc>
+                <a:tc>
+                  <a:txBody>
+                    <a:bodyPr/>
+                    <a:lstStyle/>
+                    <a:p>
+                      <a:r>
+                        <a:rPr lang="en-US" dirty="0"/>
+                        <a:t>1</a:t>
+                      </a:r>
+                      <a:endParaRPr lang="en-SG" dirty="0"/>
+                    </a:p>
+                  </a:txBody>
+                  <a:tcPr/>
+                </a:tc>
+                <a:extLst>
+                  <a:ext uri="{0D108BD9-81ED-4DB2-BD59-A6C34878D82A}">
+                    <a16:rowId xmlns:a16="http://schemas.microsoft.com/office/drawing/2014/main" val="698609253"/>
+                  </a:ext>
+                </a:extLst>
+              </a:tr>
+            </a:tbl>
+          </a:graphicData>
+        </a:graphic>
+      </p:graphicFrame>
+    </p:spTree>
+    <p:extLst>
+      <p:ext uri="{BB962C8B-B14F-4D97-AF65-F5344CB8AC3E}">
+        <p14:creationId xmlns:p14="http://schemas.microsoft.com/office/powerpoint/2010/main" val="21558052"/>
+      </p:ext>
+    </p:extLst>
+  </p:cSld>
+  <p:clrMapOvr>
+    <a:masterClrMapping/>
+  </p:clrMapOvr>
+</p:sld>
+</file>
+
+<file path=ppt/slides/slide7.xml><?xml version="1.0" encoding="utf-8"?>
+<p:sld xmlns:a="http://schemas.openxmlformats.org/drawingml/2006/main" xmlns:r="http://schemas.openxmlformats.org/officeDocument/2006/relationships" xmlns:p="http://schemas.openxmlformats.org/presentationml/2006/main">
+  <p:cSld>
+    <p:spTree>
+      <p:nvGrpSpPr>
+        <p:cNvPr id="1" name=""/>
+        <p:cNvGrpSpPr/>
+        <p:nvPr/>
+      </p:nvGrpSpPr>
+      <p:grpSpPr>
+        <a:xfrm>
+          <a:off x="0" y="0"/>
+          <a:ext cx="0" cy="0"/>
+          <a:chOff x="0" y="0"/>
+          <a:chExt cx="0" cy="0"/>
+        </a:xfrm>
+      </p:grpSpPr>
+      <p:sp>
+        <p:nvSpPr>
+          <p:cNvPr id="6" name="Rectangle 5">
+            <a:extLst>
+              <a:ext uri="{FF2B5EF4-FFF2-40B4-BE49-F238E27FC236}">
+                <a16:creationId xmlns:a16="http://schemas.microsoft.com/office/drawing/2014/main" id="{ED833B31-6F6D-E5ED-973D-086685100BC3}"/>
+              </a:ext>
+            </a:extLst>
+          </p:cNvPr>
+          <p:cNvSpPr/>
+          <p:nvPr/>
+        </p:nvSpPr>
+        <p:spPr>
+          <a:xfrm>
+            <a:off x="2961943" y="97232"/>
+            <a:ext cx="5069245" cy="309066"/>
+          </a:xfrm>
+          <a:prstGeom prst="rect">
+            <a:avLst/>
+          </a:prstGeom>
+          <a:solidFill>
+            <a:schemeClr val="bg1"/>
+          </a:solidFill>
+          <a:ln>
+            <a:noFill/>
+          </a:ln>
+        </p:spPr>
+        <p:style>
+          <a:lnRef idx="2">
+            <a:schemeClr val="accent1">
+              <a:shade val="15000"/>
+            </a:schemeClr>
+          </a:lnRef>
+          <a:fillRef idx="1">
+            <a:schemeClr val="accent1"/>
+          </a:fillRef>
+          <a:effectRef idx="0">
+            <a:schemeClr val="accent1"/>
+          </a:effectRef>
+          <a:fontRef idx="minor">
+            <a:schemeClr val="lt1"/>
+          </a:fontRef>
+        </p:style>
+        <p:txBody>
+          <a:bodyPr rtlCol="0" anchor="ctr"/>
+          <a:lstStyle/>
+          <a:p>
+            <a:pPr algn="ctr"/>
+            <a:endParaRPr lang="en-SG"/>
+          </a:p>
+        </p:txBody>
+      </p:sp>
+      <p:pic>
+        <p:nvPicPr>
+          <p:cNvPr id="4" name="Picture 3" descr="A red and blue squares with numbers&#10;&#10;Description automatically generated">
+            <a:extLst>
+              <a:ext uri="{FF2B5EF4-FFF2-40B4-BE49-F238E27FC236}">
+                <a16:creationId xmlns:a16="http://schemas.microsoft.com/office/drawing/2014/main" id="{C2BAA136-0252-73F7-99C5-B6BACFE05F36}"/>
+              </a:ext>
+            </a:extLst>
+          </p:cNvPr>
+          <p:cNvPicPr>
+            <a:picLocks noChangeAspect="1"/>
+          </p:cNvPicPr>
+          <p:nvPr/>
+        </p:nvPicPr>
+        <p:blipFill>
+          <a:blip r:embed="rId2">
+            <a:extLst>
+              <a:ext uri="{28A0092B-C50C-407E-A947-70E740481C1C}">
+                <a14:useLocalDpi xmlns:a14="http://schemas.microsoft.com/office/drawing/2010/main" val="0"/>
+              </a:ext>
+            </a:extLst>
+          </a:blip>
+          <a:stretch>
+            <a:fillRect/>
+          </a:stretch>
+        </p:blipFill>
+        <p:spPr>
+          <a:xfrm>
+            <a:off x="3812899" y="1361234"/>
+            <a:ext cx="3816104" cy="3108966"/>
+          </a:xfrm>
+          <a:prstGeom prst="rect">
+            <a:avLst/>
+          </a:prstGeom>
+        </p:spPr>
+      </p:pic>
+      <p:pic>
+        <p:nvPicPr>
+          <p:cNvPr id="8" name="Picture 7" descr="A red and blue squares with numbers&#10;&#10;Description automatically generated">
+            <a:extLst>
+              <a:ext uri="{FF2B5EF4-FFF2-40B4-BE49-F238E27FC236}">
+                <a16:creationId xmlns:a16="http://schemas.microsoft.com/office/drawing/2014/main" id="{A6E2103C-1912-458A-6AE5-1B260DDBD113}"/>
+              </a:ext>
+            </a:extLst>
+          </p:cNvPr>
+          <p:cNvPicPr>
+            <a:picLocks noChangeAspect="1"/>
+          </p:cNvPicPr>
+          <p:nvPr/>
+        </p:nvPicPr>
+        <p:blipFill>
+          <a:blip r:embed="rId3">
+            <a:extLst>
+              <a:ext uri="{28A0092B-C50C-407E-A947-70E740481C1C}">
+                <a14:useLocalDpi xmlns:a14="http://schemas.microsoft.com/office/drawing/2010/main" val="0"/>
+              </a:ext>
+            </a:extLst>
+          </a:blip>
+          <a:stretch>
+            <a:fillRect/>
+          </a:stretch>
+        </p:blipFill>
+        <p:spPr>
+          <a:xfrm>
+            <a:off x="8188030" y="1310411"/>
+            <a:ext cx="4003970" cy="3210613"/>
+          </a:xfrm>
+          <a:prstGeom prst="rect">
+            <a:avLst/>
+          </a:prstGeom>
+        </p:spPr>
+      </p:pic>
+      <mc:AlternateContent xmlns:mc="http://schemas.openxmlformats.org/markup-compatibility/2006">
+        <mc:Choice xmlns:a14="http://schemas.microsoft.com/office/drawing/2010/main" Requires="a14">
+          <p:graphicFrame>
+            <p:nvGraphicFramePr>
+              <p:cNvPr id="10" name="Table 9">
+                <a:extLst>
+                  <a:ext uri="{FF2B5EF4-FFF2-40B4-BE49-F238E27FC236}">
+                    <a16:creationId xmlns:a16="http://schemas.microsoft.com/office/drawing/2014/main" id="{38370A2F-DD9F-0B45-0F69-BAF1678FF608}"/>
+                  </a:ext>
+                </a:extLst>
+              </p:cNvPr>
+              <p:cNvGraphicFramePr>
+                <a:graphicFrameLocks noGrp="1"/>
+              </p:cNvGraphicFramePr>
+              <p:nvPr>
+                <p:extLst>
+                  <p:ext uri="{D42A27DB-BD31-4B8C-83A1-F6EECF244321}">
+                    <p14:modId xmlns:p14="http://schemas.microsoft.com/office/powerpoint/2010/main" val="3936070352"/>
+                  </p:ext>
+                </p:extLst>
+              </p:nvPr>
+            </p:nvGraphicFramePr>
+            <p:xfrm>
+              <a:off x="192898" y="2895418"/>
+              <a:ext cx="2863971" cy="1351280"/>
+            </p:xfrm>
+            <a:graphic>
+              <a:graphicData uri="http://schemas.openxmlformats.org/drawingml/2006/table">
+                <a:tbl>
+                  <a:tblPr firstRow="1" bandRow="1">
+                    <a:tableStyleId>{5940675A-B579-460E-94D1-54222C63F5DA}</a:tableStyleId>
+                  </a:tblPr>
+                  <a:tblGrid>
+                    <a:gridCol w="748175">
+                      <a:extLst>
+                        <a:ext uri="{9D8B030D-6E8A-4147-A177-3AD203B41FA5}">
+                          <a16:colId xmlns:a16="http://schemas.microsoft.com/office/drawing/2014/main" val="1313088508"/>
+                        </a:ext>
+                      </a:extLst>
+                    </a:gridCol>
+                    <a:gridCol w="2115796">
+                      <a:extLst>
+                        <a:ext uri="{9D8B030D-6E8A-4147-A177-3AD203B41FA5}">
+                          <a16:colId xmlns:a16="http://schemas.microsoft.com/office/drawing/2014/main" val="2104995432"/>
+                        </a:ext>
+                      </a:extLst>
+                    </a:gridCol>
+                  </a:tblGrid>
+                  <a:tr h="337820">
+                    <a:tc>
+                      <a:txBody>
+                        <a:bodyPr/>
+                        <a:lstStyle/>
+                        <a:p>
+                          <a:pPr algn="ctr"/>
+                          <a:r>
+                            <a:rPr lang="en-SG" sz="1400" dirty="0"/>
+                            <a:t>Pair</a:t>
+                          </a:r>
+                        </a:p>
+                      </a:txBody>
+                      <a:tcPr/>
+                    </a:tc>
+                    <a:tc>
+                      <a:txBody>
+                        <a:bodyPr/>
+                        <a:lstStyle/>
+                        <a:p>
+                          <a:r>
+                            <a:rPr lang="en-US" sz="1400" dirty="0"/>
+                            <a:t>Off-diagonal Values in </a:t>
+                          </a:r>
+                          <a14:m>
+                            <m:oMath xmlns:m="http://schemas.openxmlformats.org/officeDocument/2006/math">
+                              <m:sSub>
+                                <m:sSubPr>
+                                  <m:ctrlPr>
+                                    <a:rPr lang="en-US" sz="1400" i="1" smtClean="0">
+                                      <a:latin typeface="Cambria Math" panose="02040503050406030204" pitchFamily="18" charset="0"/>
+                                    </a:rPr>
+                                  </m:ctrlPr>
+                                </m:sSubPr>
+                                <m:e>
+                                  <m:r>
+                                    <a:rPr lang="en-SG" sz="1400" b="0" i="1" smtClean="0">
+                                      <a:latin typeface="Cambria Math" panose="02040503050406030204" pitchFamily="18" charset="0"/>
+                                    </a:rPr>
+                                    <m:t>𝐿</m:t>
+                                  </m:r>
+                                </m:e>
+                                <m:sub>
+                                  <m:r>
+                                    <a:rPr lang="en-SG" sz="1400" b="0" i="1" smtClean="0">
+                                      <a:latin typeface="Cambria Math" panose="02040503050406030204" pitchFamily="18" charset="0"/>
+                                    </a:rPr>
+                                    <m:t>0</m:t>
+                                  </m:r>
+                                </m:sub>
+                              </m:sSub>
+                            </m:oMath>
+                          </a14:m>
+                          <a:endParaRPr lang="en-SG" sz="1400" dirty="0"/>
+                        </a:p>
+                      </a:txBody>
+                      <a:tcPr/>
+                    </a:tc>
+                    <a:extLst>
+                      <a:ext uri="{0D108BD9-81ED-4DB2-BD59-A6C34878D82A}">
+                        <a16:rowId xmlns:a16="http://schemas.microsoft.com/office/drawing/2014/main" val="353177901"/>
+                      </a:ext>
+                    </a:extLst>
+                  </a:tr>
+                  <a:tr h="337820">
+                    <a:tc>
+                      <a:txBody>
+                        <a:bodyPr/>
+                        <a:lstStyle/>
+                        <a:p>
+                          <a:pPr algn="ctr"/>
+                          <a:r>
+                            <a:rPr lang="en-US" sz="1400" dirty="0"/>
+                            <a:t>(A,C)</a:t>
+                          </a:r>
+                          <a:endParaRPr lang="en-SG" sz="1400" dirty="0"/>
+                        </a:p>
+                      </a:txBody>
+                      <a:tcPr/>
+                    </a:tc>
+                    <a:tc>
+                      <a:txBody>
+                        <a:bodyPr/>
+                        <a:lstStyle/>
+                        <a:p>
+                          <a14:m>
+                            <m:oMathPara xmlns:m="http://schemas.openxmlformats.org/officeDocument/2006/math">
+                              <m:oMathParaPr>
+                                <m:jc m:val="centerGroup"/>
+                              </m:oMathParaPr>
+                              <m:oMath xmlns:m="http://schemas.openxmlformats.org/officeDocument/2006/math">
+                                <m:r>
+                                  <m:rPr>
+                                    <m:nor/>
+                                  </m:rPr>
+                                  <a:rPr lang="en-US" sz="1400" b="0" i="0" dirty="0" smtClean="0"/>
+                                  <m:t>1</m:t>
+                                </m:r>
+                                <m:r>
+                                  <a:rPr lang="en-US" sz="1400" i="1" dirty="0" smtClean="0">
+                                    <a:latin typeface="Cambria Math" panose="02040503050406030204" pitchFamily="18" charset="0"/>
+                                    <a:ea typeface="Cambria Math" panose="02040503050406030204" pitchFamily="18" charset="0"/>
+                                  </a:rPr>
+                                  <m:t>×</m:t>
+                                </m:r>
+                                <m:r>
+                                  <a:rPr lang="en-US" sz="1400" b="0" i="1" dirty="0" smtClean="0">
+                                    <a:latin typeface="Cambria Math" panose="02040503050406030204" pitchFamily="18" charset="0"/>
+                                    <a:ea typeface="Cambria Math" panose="02040503050406030204" pitchFamily="18" charset="0"/>
+                                  </a:rPr>
+                                  <m:t>2=2</m:t>
+                                </m:r>
+                              </m:oMath>
+                            </m:oMathPara>
+                          </a14:m>
+                          <a:endParaRPr lang="en-SG" sz="1400" dirty="0"/>
+                        </a:p>
+                      </a:txBody>
+                      <a:tcPr/>
+                    </a:tc>
+                    <a:extLst>
+                      <a:ext uri="{0D108BD9-81ED-4DB2-BD59-A6C34878D82A}">
+                        <a16:rowId xmlns:a16="http://schemas.microsoft.com/office/drawing/2014/main" val="1747954994"/>
+                      </a:ext>
+                    </a:extLst>
+                  </a:tr>
+                  <a:tr h="337820">
+                    <a:tc>
+                      <a:txBody>
+                        <a:bodyPr/>
+                        <a:lstStyle/>
+                        <a:p>
+                          <a:pPr marL="0" marR="0" lvl="0" indent="0" algn="ctr" defTabSz="914400" rtl="0" eaLnBrk="1" fontAlgn="auto" latinLnBrk="0" hangingPunct="1">
+                            <a:lnSpc>
+                              <a:spcPct val="100000"/>
+                            </a:lnSpc>
+                            <a:spcBef>
+                              <a:spcPts val="0"/>
+                            </a:spcBef>
+                            <a:spcAft>
+                              <a:spcPts val="0"/>
+                            </a:spcAft>
+                            <a:buClrTx/>
+                            <a:buSzTx/>
+                            <a:buFontTx/>
+                            <a:buNone/>
+                            <a:tabLst/>
+                            <a:defRPr/>
+                          </a:pPr>
+                          <a:r>
+                            <a:rPr lang="en-US" sz="1400" dirty="0"/>
+                            <a:t>(C,D)</a:t>
+                          </a:r>
+                          <a:endParaRPr lang="en-SG" sz="1400" dirty="0"/>
+                        </a:p>
+                      </a:txBody>
+                      <a:tcPr/>
+                    </a:tc>
+                    <a:tc>
+                      <a:txBody>
+                        <a:bodyPr/>
+                        <a:lstStyle/>
+                        <a:p>
+                          <a:pPr/>
+                          <a14:m>
+                            <m:oMathPara xmlns:m="http://schemas.openxmlformats.org/officeDocument/2006/math">
+                              <m:oMathParaPr>
+                                <m:jc m:val="centerGroup"/>
+                              </m:oMathParaPr>
+                              <m:oMath xmlns:m="http://schemas.openxmlformats.org/officeDocument/2006/math">
+                                <m:r>
+                                  <m:rPr>
+                                    <m:nor/>
+                                  </m:rPr>
+                                  <a:rPr lang="en-US" sz="1400" i="0" dirty="0" smtClean="0">
+                                    <a:latin typeface="Cambria Math" panose="02040503050406030204" pitchFamily="18" charset="0"/>
+                                    <a:ea typeface="+mn-ea"/>
+                                  </a:rPr>
+                                  <m:t>2</m:t>
+                                </m:r>
+                                <m:r>
+                                  <a:rPr lang="en-US" sz="1400" i="1" dirty="0" smtClean="0">
+                                    <a:latin typeface="Cambria Math" panose="02040503050406030204" pitchFamily="18" charset="0"/>
+                                    <a:ea typeface="Cambria Math" panose="02040503050406030204" pitchFamily="18" charset="0"/>
+                                  </a:rPr>
+                                  <m:t>×</m:t>
+                                </m:r>
+                                <m:r>
+                                  <a:rPr lang="en-US" sz="1400" b="0" i="1" dirty="0" smtClean="0">
+                                    <a:latin typeface="Cambria Math" panose="02040503050406030204" pitchFamily="18" charset="0"/>
+                                    <a:ea typeface="Cambria Math" panose="02040503050406030204" pitchFamily="18" charset="0"/>
+                                  </a:rPr>
+                                  <m:t>3</m:t>
+                                </m:r>
+                                <m:r>
+                                  <a:rPr lang="en-US" sz="1400" b="0" i="1" dirty="0" smtClean="0">
+                                    <a:latin typeface="Cambria Math" panose="02040503050406030204" pitchFamily="18" charset="0"/>
+                                    <a:ea typeface="Cambria Math" panose="02040503050406030204" pitchFamily="18" charset="0"/>
+                                  </a:rPr>
+                                  <m:t>=</m:t>
+                                </m:r>
+                                <m:r>
+                                  <a:rPr lang="en-US" sz="1400" b="0" i="1" dirty="0" smtClean="0">
+                                    <a:latin typeface="Cambria Math" panose="02040503050406030204" pitchFamily="18" charset="0"/>
+                                    <a:ea typeface="Cambria Math" panose="02040503050406030204" pitchFamily="18" charset="0"/>
+                                  </a:rPr>
+                                  <m:t>6</m:t>
+                                </m:r>
+                              </m:oMath>
+                            </m:oMathPara>
+                          </a14:m>
+                          <a:endParaRPr lang="en-SG" sz="1400" dirty="0"/>
+                        </a:p>
+                      </a:txBody>
+                      <a:tcPr/>
+                    </a:tc>
+                    <a:extLst>
+                      <a:ext uri="{0D108BD9-81ED-4DB2-BD59-A6C34878D82A}">
+                        <a16:rowId xmlns:a16="http://schemas.microsoft.com/office/drawing/2014/main" val="241565200"/>
+                      </a:ext>
+                    </a:extLst>
+                  </a:tr>
+                  <a:tr h="337820">
+                    <a:tc>
+                      <a:txBody>
+                        <a:bodyPr/>
+                        <a:lstStyle/>
+                        <a:p>
+                          <a:pPr marL="0" marR="0" lvl="0" indent="0" algn="ctr" defTabSz="914400" rtl="0" eaLnBrk="1" fontAlgn="auto" latinLnBrk="0" hangingPunct="1">
+                            <a:lnSpc>
+                              <a:spcPct val="100000"/>
+                            </a:lnSpc>
+                            <a:spcBef>
+                              <a:spcPts val="0"/>
+                            </a:spcBef>
+                            <a:spcAft>
+                              <a:spcPts val="0"/>
+                            </a:spcAft>
+                            <a:buClrTx/>
+                            <a:buSzTx/>
+                            <a:buFontTx/>
+                            <a:buNone/>
+                            <a:tabLst/>
+                            <a:defRPr/>
+                          </a:pPr>
+                          <a:r>
+                            <a:rPr lang="en-SG" sz="1400" dirty="0"/>
+                            <a:t>(D,E)</a:t>
+                          </a:r>
+                        </a:p>
+                      </a:txBody>
+                      <a:tcPr/>
+                    </a:tc>
+                    <a:tc>
+                      <a:txBody>
+                        <a:bodyPr/>
+                        <a:lstStyle/>
+                        <a:p>
+                          <a:pPr marL="0" marR="0" lvl="0" indent="0" algn="l" defTabSz="914400" rtl="0" eaLnBrk="1" fontAlgn="auto" latinLnBrk="0" hangingPunct="1">
+                            <a:lnSpc>
+                              <a:spcPct val="100000"/>
+                            </a:lnSpc>
+                            <a:spcBef>
+                              <a:spcPts val="0"/>
+                            </a:spcBef>
+                            <a:spcAft>
+                              <a:spcPts val="0"/>
+                            </a:spcAft>
+                            <a:buClrTx/>
+                            <a:buSzTx/>
+                            <a:buFontTx/>
+                            <a:buNone/>
+                            <a:tabLst/>
+                            <a:defRPr/>
+                          </a:pPr>
+                          <a14:m>
+                            <m:oMathPara xmlns:m="http://schemas.openxmlformats.org/officeDocument/2006/math">
+                              <m:oMathParaPr>
+                                <m:jc m:val="centerGroup"/>
+                              </m:oMathParaPr>
+                              <m:oMath xmlns:m="http://schemas.openxmlformats.org/officeDocument/2006/math">
+                                <m:r>
+                                  <m:rPr>
+                                    <m:nor/>
+                                  </m:rPr>
+                                  <a:rPr lang="en-US" sz="1400" b="0" i="0" dirty="0" smtClean="0">
+                                    <a:latin typeface="Cambria Math" panose="02040503050406030204" pitchFamily="18" charset="0"/>
+                                    <a:ea typeface="+mn-ea"/>
+                                  </a:rPr>
+                                  <m:t>3</m:t>
+                                </m:r>
+                                <m:r>
+                                  <a:rPr lang="en-US" sz="1400" i="1" dirty="0" smtClean="0">
+                                    <a:latin typeface="Cambria Math" panose="02040503050406030204" pitchFamily="18" charset="0"/>
+                                    <a:ea typeface="Cambria Math" panose="02040503050406030204" pitchFamily="18" charset="0"/>
+                                  </a:rPr>
+                                  <m:t>×</m:t>
+                                </m:r>
+                                <m:r>
+                                  <a:rPr lang="en-SG" sz="1400" b="0" i="1" dirty="0" smtClean="0">
+                                    <a:latin typeface="Cambria Math" panose="02040503050406030204" pitchFamily="18" charset="0"/>
+                                    <a:ea typeface="Cambria Math" panose="02040503050406030204" pitchFamily="18" charset="0"/>
+                                  </a:rPr>
+                                  <m:t>4</m:t>
+                                </m:r>
+                                <m:r>
+                                  <a:rPr lang="en-US" sz="1400" b="0" i="1" dirty="0" smtClean="0">
+                                    <a:latin typeface="Cambria Math" panose="02040503050406030204" pitchFamily="18" charset="0"/>
+                                    <a:ea typeface="Cambria Math" panose="02040503050406030204" pitchFamily="18" charset="0"/>
+                                  </a:rPr>
+                                  <m:t>=</m:t>
+                                </m:r>
+                                <m:r>
+                                  <a:rPr lang="en-SG" sz="1400" b="0" i="1" dirty="0" smtClean="0">
+                                    <a:latin typeface="Cambria Math" panose="02040503050406030204" pitchFamily="18" charset="0"/>
+                                    <a:ea typeface="Cambria Math" panose="02040503050406030204" pitchFamily="18" charset="0"/>
+                                  </a:rPr>
+                                  <m:t>12</m:t>
+                                </m:r>
+                              </m:oMath>
+                            </m:oMathPara>
+                          </a14:m>
+                          <a:endParaRPr lang="en-SG" sz="1400" dirty="0"/>
+                        </a:p>
+                      </a:txBody>
+                      <a:tcPr/>
+                    </a:tc>
+                    <a:extLst>
+                      <a:ext uri="{0D108BD9-81ED-4DB2-BD59-A6C34878D82A}">
+                        <a16:rowId xmlns:a16="http://schemas.microsoft.com/office/drawing/2014/main" val="478537533"/>
+                      </a:ext>
+                    </a:extLst>
+                  </a:tr>
+                </a:tbl>
+              </a:graphicData>
+            </a:graphic>
+          </p:graphicFrame>
+        </mc:Choice>
+        <mc:Fallback>
+          <p:graphicFrame>
+            <p:nvGraphicFramePr>
+              <p:cNvPr id="10" name="Table 9">
+                <a:extLst>
+                  <a:ext uri="{FF2B5EF4-FFF2-40B4-BE49-F238E27FC236}">
+                    <a16:creationId xmlns:a16="http://schemas.microsoft.com/office/drawing/2014/main" id="{38370A2F-DD9F-0B45-0F69-BAF1678FF608}"/>
+                  </a:ext>
+                </a:extLst>
+              </p:cNvPr>
+              <p:cNvGraphicFramePr>
+                <a:graphicFrameLocks noGrp="1"/>
+              </p:cNvGraphicFramePr>
+              <p:nvPr>
+                <p:extLst>
+                  <p:ext uri="{D42A27DB-BD31-4B8C-83A1-F6EECF244321}">
+                    <p14:modId xmlns:p14="http://schemas.microsoft.com/office/powerpoint/2010/main" val="3936070352"/>
+                  </p:ext>
+                </p:extLst>
+              </p:nvPr>
+            </p:nvGraphicFramePr>
+            <p:xfrm>
+              <a:off x="192898" y="2895418"/>
+              <a:ext cx="2863971" cy="1351280"/>
+            </p:xfrm>
+            <a:graphic>
+              <a:graphicData uri="http://schemas.openxmlformats.org/drawingml/2006/table">
+                <a:tbl>
+                  <a:tblPr firstRow="1" bandRow="1">
+                    <a:tableStyleId>{5940675A-B579-460E-94D1-54222C63F5DA}</a:tableStyleId>
+                  </a:tblPr>
+                  <a:tblGrid>
+                    <a:gridCol w="748175">
+                      <a:extLst>
+                        <a:ext uri="{9D8B030D-6E8A-4147-A177-3AD203B41FA5}">
+                          <a16:colId xmlns:a16="http://schemas.microsoft.com/office/drawing/2014/main" val="1313088508"/>
+                        </a:ext>
+                      </a:extLst>
+                    </a:gridCol>
+                    <a:gridCol w="2115796">
+                      <a:extLst>
+                        <a:ext uri="{9D8B030D-6E8A-4147-A177-3AD203B41FA5}">
+                          <a16:colId xmlns:a16="http://schemas.microsoft.com/office/drawing/2014/main" val="2104995432"/>
+                        </a:ext>
+                      </a:extLst>
+                    </a:gridCol>
+                  </a:tblGrid>
+                  <a:tr h="337820">
+                    <a:tc>
+                      <a:txBody>
+                        <a:bodyPr/>
+                        <a:lstStyle/>
+                        <a:p>
+                          <a:pPr algn="ctr"/>
+                          <a:r>
+                            <a:rPr lang="en-SG" sz="1400" dirty="0"/>
+                            <a:t>Pair</a:t>
+                          </a:r>
+                        </a:p>
+                      </a:txBody>
+                      <a:tcPr/>
+                    </a:tc>
+                    <a:tc>
+                      <a:txBody>
+                        <a:bodyPr/>
+                        <a:lstStyle/>
+                        <a:p>
+                          <a:endParaRPr lang="en-US"/>
+                        </a:p>
+                      </a:txBody>
+                      <a:tcPr>
+                        <a:blipFill>
+                          <a:blip r:embed="rId4"/>
+                          <a:stretch>
+                            <a:fillRect l="-35632" t="-1786" r="-575" b="-307143"/>
+                          </a:stretch>
+                        </a:blipFill>
+                      </a:tcPr>
+                    </a:tc>
+                    <a:extLst>
+                      <a:ext uri="{0D108BD9-81ED-4DB2-BD59-A6C34878D82A}">
+                        <a16:rowId xmlns:a16="http://schemas.microsoft.com/office/drawing/2014/main" val="353177901"/>
+                      </a:ext>
+                    </a:extLst>
+                  </a:tr>
+                  <a:tr h="337820">
+                    <a:tc>
+                      <a:txBody>
+                        <a:bodyPr/>
+                        <a:lstStyle/>
+                        <a:p>
+                          <a:pPr algn="ctr"/>
+                          <a:r>
+                            <a:rPr lang="en-US" sz="1400" dirty="0"/>
+                            <a:t>(A,C)</a:t>
+                          </a:r>
+                          <a:endParaRPr lang="en-SG" sz="1400" dirty="0"/>
+                        </a:p>
+                      </a:txBody>
+                      <a:tcPr/>
+                    </a:tc>
+                    <a:tc>
+                      <a:txBody>
+                        <a:bodyPr/>
+                        <a:lstStyle/>
+                        <a:p>
+                          <a:endParaRPr lang="en-US"/>
+                        </a:p>
+                      </a:txBody>
+                      <a:tcPr>
+                        <a:blipFill>
+                          <a:blip r:embed="rId4"/>
+                          <a:stretch>
+                            <a:fillRect l="-35632" t="-101786" r="-575" b="-207143"/>
+                          </a:stretch>
+                        </a:blipFill>
+                      </a:tcPr>
+                    </a:tc>
+                    <a:extLst>
+                      <a:ext uri="{0D108BD9-81ED-4DB2-BD59-A6C34878D82A}">
+                        <a16:rowId xmlns:a16="http://schemas.microsoft.com/office/drawing/2014/main" val="1747954994"/>
+                      </a:ext>
+                    </a:extLst>
+                  </a:tr>
+                  <a:tr h="337820">
+                    <a:tc>
+                      <a:txBody>
+                        <a:bodyPr/>
+                        <a:lstStyle/>
+                        <a:p>
+                          <a:pPr marL="0" marR="0" lvl="0" indent="0" algn="ctr" defTabSz="914400" rtl="0" eaLnBrk="1" fontAlgn="auto" latinLnBrk="0" hangingPunct="1">
+                            <a:lnSpc>
+                              <a:spcPct val="100000"/>
+                            </a:lnSpc>
+                            <a:spcBef>
+                              <a:spcPts val="0"/>
+                            </a:spcBef>
+                            <a:spcAft>
+                              <a:spcPts val="0"/>
+                            </a:spcAft>
+                            <a:buClrTx/>
+                            <a:buSzTx/>
+                            <a:buFontTx/>
+                            <a:buNone/>
+                            <a:tabLst/>
+                            <a:defRPr/>
+                          </a:pPr>
+                          <a:r>
+                            <a:rPr lang="en-US" sz="1400" dirty="0"/>
+                            <a:t>(C,D)</a:t>
+                          </a:r>
+                          <a:endParaRPr lang="en-SG" sz="1400" dirty="0"/>
+                        </a:p>
+                      </a:txBody>
+                      <a:tcPr/>
+                    </a:tc>
+                    <a:tc>
+                      <a:txBody>
+                        <a:bodyPr/>
+                        <a:lstStyle/>
+                        <a:p>
+                          <a:endParaRPr lang="en-US"/>
+                        </a:p>
+                      </a:txBody>
+                      <a:tcPr>
+                        <a:blipFill>
+                          <a:blip r:embed="rId4"/>
+                          <a:stretch>
+                            <a:fillRect l="-35632" t="-205455" r="-575" b="-110909"/>
+                          </a:stretch>
+                        </a:blipFill>
+                      </a:tcPr>
+                    </a:tc>
+                    <a:extLst>
+                      <a:ext uri="{0D108BD9-81ED-4DB2-BD59-A6C34878D82A}">
+                        <a16:rowId xmlns:a16="http://schemas.microsoft.com/office/drawing/2014/main" val="241565200"/>
+                      </a:ext>
+                    </a:extLst>
+                  </a:tr>
+                  <a:tr h="337820">
+                    <a:tc>
+                      <a:txBody>
+                        <a:bodyPr/>
+                        <a:lstStyle/>
+                        <a:p>
+                          <a:pPr marL="0" marR="0" lvl="0" indent="0" algn="ctr" defTabSz="914400" rtl="0" eaLnBrk="1" fontAlgn="auto" latinLnBrk="0" hangingPunct="1">
+                            <a:lnSpc>
+                              <a:spcPct val="100000"/>
+                            </a:lnSpc>
+                            <a:spcBef>
+                              <a:spcPts val="0"/>
+                            </a:spcBef>
+                            <a:spcAft>
+                              <a:spcPts val="0"/>
+                            </a:spcAft>
+                            <a:buClrTx/>
+                            <a:buSzTx/>
+                            <a:buFontTx/>
+                            <a:buNone/>
+                            <a:tabLst/>
+                            <a:defRPr/>
+                          </a:pPr>
+                          <a:r>
+                            <a:rPr lang="en-SG" sz="1400" dirty="0"/>
+                            <a:t>(D,E)</a:t>
+                          </a:r>
+                        </a:p>
+                      </a:txBody>
+                      <a:tcPr/>
+                    </a:tc>
+                    <a:tc>
+                      <a:txBody>
+                        <a:bodyPr/>
+                        <a:lstStyle/>
+                        <a:p>
+                          <a:endParaRPr lang="en-US"/>
+                        </a:p>
+                      </a:txBody>
+                      <a:tcPr>
+                        <a:blipFill>
+                          <a:blip r:embed="rId4"/>
+                          <a:stretch>
+                            <a:fillRect l="-35632" t="-300000" r="-575" b="-8929"/>
+                          </a:stretch>
+                        </a:blipFill>
+                      </a:tcPr>
+                    </a:tc>
+                    <a:extLst>
+                      <a:ext uri="{0D108BD9-81ED-4DB2-BD59-A6C34878D82A}">
+                        <a16:rowId xmlns:a16="http://schemas.microsoft.com/office/drawing/2014/main" val="478537533"/>
+                      </a:ext>
+                    </a:extLst>
+                  </a:tr>
+                </a:tbl>
+              </a:graphicData>
+            </a:graphic>
+          </p:graphicFrame>
+        </mc:Fallback>
+      </mc:AlternateContent>
+      <p:graphicFrame>
+        <p:nvGraphicFramePr>
+          <p:cNvPr id="11" name="Table 10">
+            <a:extLst>
+              <a:ext uri="{FF2B5EF4-FFF2-40B4-BE49-F238E27FC236}">
+                <a16:creationId xmlns:a16="http://schemas.microsoft.com/office/drawing/2014/main" id="{816E867D-5362-EE72-7421-D59DA0B445EA}"/>
+              </a:ext>
+            </a:extLst>
+          </p:cNvPr>
+          <p:cNvGraphicFramePr>
+            <a:graphicFrameLocks noGrp="1"/>
+          </p:cNvGraphicFramePr>
+          <p:nvPr>
+            <p:extLst>
+              <p:ext uri="{D42A27DB-BD31-4B8C-83A1-F6EECF244321}">
+                <p14:modId xmlns:p14="http://schemas.microsoft.com/office/powerpoint/2010/main" val="163780424"/>
+              </p:ext>
+            </p:extLst>
+          </p:nvPr>
+        </p:nvGraphicFramePr>
+        <p:xfrm>
+          <a:off x="93470" y="1412058"/>
+          <a:ext cx="3061901" cy="741680"/>
+        </p:xfrm>
+        <a:graphic>
+          <a:graphicData uri="http://schemas.openxmlformats.org/drawingml/2006/table">
+            <a:tbl>
+              <a:tblPr firstRow="1" bandRow="1">
+                <a:tableStyleId>{2D5ABB26-0587-4C30-8999-92F81FD0307C}</a:tableStyleId>
+              </a:tblPr>
+              <a:tblGrid>
+                <a:gridCol w="1137809">
+                  <a:extLst>
+                    <a:ext uri="{9D8B030D-6E8A-4147-A177-3AD203B41FA5}">
+                      <a16:colId xmlns:a16="http://schemas.microsoft.com/office/drawing/2014/main" val="3011624287"/>
+                    </a:ext>
+                  </a:extLst>
+                </a:gridCol>
+                <a:gridCol w="481023">
+                  <a:extLst>
+                    <a:ext uri="{9D8B030D-6E8A-4147-A177-3AD203B41FA5}">
+                      <a16:colId xmlns:a16="http://schemas.microsoft.com/office/drawing/2014/main" val="3911956605"/>
+                    </a:ext>
+                  </a:extLst>
+                </a:gridCol>
+                <a:gridCol w="481023">
+                  <a:extLst>
+                    <a:ext uri="{9D8B030D-6E8A-4147-A177-3AD203B41FA5}">
+                      <a16:colId xmlns:a16="http://schemas.microsoft.com/office/drawing/2014/main" val="3155283516"/>
+                    </a:ext>
+                  </a:extLst>
+                </a:gridCol>
+                <a:gridCol w="481023">
+                  <a:extLst>
+                    <a:ext uri="{9D8B030D-6E8A-4147-A177-3AD203B41FA5}">
+                      <a16:colId xmlns:a16="http://schemas.microsoft.com/office/drawing/2014/main" val="1156362680"/>
+                    </a:ext>
+                  </a:extLst>
+                </a:gridCol>
+                <a:gridCol w="481023">
+                  <a:extLst>
+                    <a:ext uri="{9D8B030D-6E8A-4147-A177-3AD203B41FA5}">
+                      <a16:colId xmlns:a16="http://schemas.microsoft.com/office/drawing/2014/main" val="2749123149"/>
+                    </a:ext>
+                  </a:extLst>
+                </a:gridCol>
+              </a:tblGrid>
+              <a:tr h="370840">
+                <a:tc>
+                  <a:txBody>
+                    <a:bodyPr/>
+                    <a:lstStyle/>
+                    <a:p>
+                      <a:r>
+                        <a:rPr lang="en-SG" sz="1400" dirty="0"/>
+                        <a:t>Sequence</a:t>
+                      </a:r>
+                    </a:p>
+                  </a:txBody>
+                  <a:tcPr/>
+                </a:tc>
+                <a:tc>
+                  <a:txBody>
+                    <a:bodyPr/>
+                    <a:lstStyle/>
+                    <a:p>
+                      <a:pPr algn="ctr"/>
+                      <a:r>
+                        <a:rPr lang="en-SG" dirty="0"/>
+                        <a:t>A</a:t>
+                      </a:r>
+                    </a:p>
+                  </a:txBody>
+                  <a:tcPr>
+                    <a:solidFill>
+                      <a:schemeClr val="accent2">
+                        <a:lumMod val="40000"/>
+                        <a:lumOff val="60000"/>
+                      </a:schemeClr>
+                    </a:solidFill>
+                  </a:tcPr>
+                </a:tc>
+                <a:tc>
+                  <a:txBody>
+                    <a:bodyPr/>
+                    <a:lstStyle/>
+                    <a:p>
+                      <a:pPr algn="ctr"/>
+                      <a:r>
+                        <a:rPr lang="en-SG" dirty="0"/>
+                        <a:t>C</a:t>
+                      </a:r>
+                    </a:p>
+                  </a:txBody>
+                  <a:tcPr>
+                    <a:solidFill>
+                      <a:schemeClr val="accent3">
+                        <a:lumMod val="20000"/>
+                        <a:lumOff val="80000"/>
+                      </a:schemeClr>
+                    </a:solidFill>
+                  </a:tcPr>
+                </a:tc>
+                <a:tc>
+                  <a:txBody>
+                    <a:bodyPr/>
+                    <a:lstStyle/>
+                    <a:p>
+                      <a:pPr algn="ctr"/>
+                      <a:r>
+                        <a:rPr lang="en-SG" dirty="0"/>
+                        <a:t>D</a:t>
+                      </a:r>
+                    </a:p>
+                  </a:txBody>
+                  <a:tcPr>
+                    <a:solidFill>
+                      <a:schemeClr val="accent4">
+                        <a:lumMod val="20000"/>
+                        <a:lumOff val="80000"/>
+                      </a:schemeClr>
+                    </a:solidFill>
+                  </a:tcPr>
+                </a:tc>
+                <a:tc>
+                  <a:txBody>
+                    <a:bodyPr/>
+                    <a:lstStyle/>
+                    <a:p>
+                      <a:pPr algn="ctr"/>
+                      <a:r>
+                        <a:rPr lang="en-SG" dirty="0"/>
+                        <a:t>E</a:t>
+                      </a:r>
+                    </a:p>
+                  </a:txBody>
+                  <a:tcPr>
+                    <a:solidFill>
+                      <a:schemeClr val="accent5">
+                        <a:lumMod val="20000"/>
+                        <a:lumOff val="80000"/>
+                      </a:schemeClr>
+                    </a:solidFill>
+                  </a:tcPr>
+                </a:tc>
+                <a:extLst>
+                  <a:ext uri="{0D108BD9-81ED-4DB2-BD59-A6C34878D82A}">
+                    <a16:rowId xmlns:a16="http://schemas.microsoft.com/office/drawing/2014/main" val="2663369474"/>
+                  </a:ext>
+                </a:extLst>
+              </a:tr>
+              <a:tr h="370840">
+                <a:tc>
+                  <a:txBody>
+                    <a:bodyPr/>
+                    <a:lstStyle/>
+                    <a:p>
+                      <a:r>
+                        <a:rPr lang="en-SG" sz="1400" dirty="0"/>
+                        <a:t>Mean Index</a:t>
+                      </a:r>
+                    </a:p>
+                  </a:txBody>
+                  <a:tcPr/>
+                </a:tc>
+                <a:tc>
+                  <a:txBody>
+                    <a:bodyPr/>
+                    <a:lstStyle/>
+                    <a:p>
+                      <a:pPr algn="ctr"/>
+                      <a:r>
+                        <a:rPr lang="en-SG" sz="1400" dirty="0"/>
+                        <a:t>1</a:t>
+                      </a:r>
+                    </a:p>
+                  </a:txBody>
+                  <a:tcPr/>
+                </a:tc>
+                <a:tc>
+                  <a:txBody>
+                    <a:bodyPr/>
+                    <a:lstStyle/>
+                    <a:p>
+                      <a:pPr algn="ctr"/>
+                      <a:r>
+                        <a:rPr lang="en-SG" sz="1400" dirty="0"/>
+                        <a:t>2</a:t>
+                      </a:r>
+                    </a:p>
+                  </a:txBody>
+                  <a:tcPr/>
+                </a:tc>
+                <a:tc>
+                  <a:txBody>
+                    <a:bodyPr/>
+                    <a:lstStyle/>
+                    <a:p>
+                      <a:pPr algn="ctr"/>
+                      <a:r>
+                        <a:rPr lang="en-SG" sz="1400" dirty="0"/>
+                        <a:t>3</a:t>
+                      </a:r>
+                    </a:p>
+                  </a:txBody>
+                  <a:tcPr/>
+                </a:tc>
+                <a:tc>
+                  <a:txBody>
+                    <a:bodyPr/>
+                    <a:lstStyle/>
+                    <a:p>
+                      <a:pPr algn="ctr"/>
+                      <a:r>
+                        <a:rPr lang="en-SG" sz="1400" dirty="0"/>
+                        <a:t>4</a:t>
+                      </a:r>
+                    </a:p>
+                  </a:txBody>
+                  <a:tcPr/>
+                </a:tc>
+                <a:extLst>
+                  <a:ext uri="{0D108BD9-81ED-4DB2-BD59-A6C34878D82A}">
+                    <a16:rowId xmlns:a16="http://schemas.microsoft.com/office/drawing/2014/main" val="3416731936"/>
+                  </a:ext>
+                </a:extLst>
+              </a:tr>
+            </a:tbl>
+          </a:graphicData>
+        </a:graphic>
+      </p:graphicFrame>
+      <p:sp>
+        <p:nvSpPr>
+          <p:cNvPr id="12" name="Arrow: Down 11">
+            <a:extLst>
+              <a:ext uri="{FF2B5EF4-FFF2-40B4-BE49-F238E27FC236}">
+                <a16:creationId xmlns:a16="http://schemas.microsoft.com/office/drawing/2014/main" id="{8DA8F52E-34C4-A158-4002-2CFA29E9A7E6}"/>
+              </a:ext>
+            </a:extLst>
+          </p:cNvPr>
+          <p:cNvSpPr/>
+          <p:nvPr/>
+        </p:nvSpPr>
+        <p:spPr>
+          <a:xfrm>
+            <a:off x="1541596" y="2153738"/>
+            <a:ext cx="493125" cy="630586"/>
+          </a:xfrm>
+          <a:prstGeom prst="downArrow">
+            <a:avLst/>
+          </a:prstGeom>
+          <a:solidFill>
+            <a:schemeClr val="bg1">
+              <a:lumMod val="65000"/>
+            </a:schemeClr>
+          </a:solidFill>
+          <a:ln>
+            <a:noFill/>
+          </a:ln>
+        </p:spPr>
+        <p:style>
+          <a:lnRef idx="2">
+            <a:schemeClr val="accent1">
+              <a:shade val="15000"/>
+            </a:schemeClr>
+          </a:lnRef>
+          <a:fillRef idx="1">
+            <a:schemeClr val="accent1"/>
+          </a:fillRef>
+          <a:effectRef idx="0">
+            <a:schemeClr val="accent1"/>
+          </a:effectRef>
+          <a:fontRef idx="minor">
+            <a:schemeClr val="lt1"/>
+          </a:fontRef>
+        </p:style>
+        <p:txBody>
+          <a:bodyPr rtlCol="0" anchor="ctr"/>
+          <a:lstStyle/>
+          <a:p>
+            <a:pPr algn="ctr"/>
+            <a:endParaRPr lang="en-SG"/>
+          </a:p>
+        </p:txBody>
+      </p:sp>
+      <p:sp>
+        <p:nvSpPr>
+          <p:cNvPr id="13" name="Arrow: Down 12">
+            <a:extLst>
+              <a:ext uri="{FF2B5EF4-FFF2-40B4-BE49-F238E27FC236}">
+                <a16:creationId xmlns:a16="http://schemas.microsoft.com/office/drawing/2014/main" id="{F3622A7B-32C8-E285-D885-F82265ABE3D8}"/>
+              </a:ext>
+            </a:extLst>
+          </p:cNvPr>
+          <p:cNvSpPr/>
+          <p:nvPr/>
+        </p:nvSpPr>
+        <p:spPr>
+          <a:xfrm rot="16200000">
+            <a:off x="3299301" y="2715593"/>
+            <a:ext cx="493125" cy="630586"/>
+          </a:xfrm>
+          <a:prstGeom prst="downArrow">
+            <a:avLst/>
+          </a:prstGeom>
+          <a:solidFill>
+            <a:schemeClr val="bg1">
+              <a:lumMod val="65000"/>
+            </a:schemeClr>
+          </a:solidFill>
+          <a:ln>
+            <a:noFill/>
+          </a:ln>
+        </p:spPr>
+        <p:style>
+          <a:lnRef idx="2">
+            <a:schemeClr val="accent1">
+              <a:shade val="15000"/>
+            </a:schemeClr>
+          </a:lnRef>
+          <a:fillRef idx="1">
+            <a:schemeClr val="accent1"/>
+          </a:fillRef>
+          <a:effectRef idx="0">
+            <a:schemeClr val="accent1"/>
+          </a:effectRef>
+          <a:fontRef idx="minor">
+            <a:schemeClr val="lt1"/>
+          </a:fontRef>
+        </p:style>
+        <p:txBody>
+          <a:bodyPr rtlCol="0" anchor="ctr"/>
+          <a:lstStyle/>
+          <a:p>
+            <a:pPr algn="ctr"/>
+            <a:endParaRPr lang="en-SG"/>
+          </a:p>
+        </p:txBody>
+      </p:sp>
+      <p:sp>
+        <p:nvSpPr>
+          <p:cNvPr id="14" name="Arrow: Down 13">
+            <a:extLst>
+              <a:ext uri="{FF2B5EF4-FFF2-40B4-BE49-F238E27FC236}">
+                <a16:creationId xmlns:a16="http://schemas.microsoft.com/office/drawing/2014/main" id="{EDCAB906-84B2-080E-9258-A4B09D6E191F}"/>
+              </a:ext>
+            </a:extLst>
+          </p:cNvPr>
+          <p:cNvSpPr/>
+          <p:nvPr/>
+        </p:nvSpPr>
+        <p:spPr>
+          <a:xfrm rot="16200000">
+            <a:off x="7649477" y="2715593"/>
+            <a:ext cx="493125" cy="630586"/>
+          </a:xfrm>
+          <a:prstGeom prst="downArrow">
+            <a:avLst/>
+          </a:prstGeom>
+          <a:solidFill>
+            <a:schemeClr val="bg1">
+              <a:lumMod val="65000"/>
+            </a:schemeClr>
+          </a:solidFill>
+          <a:ln>
+            <a:noFill/>
+          </a:ln>
+        </p:spPr>
+        <p:style>
+          <a:lnRef idx="2">
+            <a:schemeClr val="accent1">
+              <a:shade val="15000"/>
+            </a:schemeClr>
+          </a:lnRef>
+          <a:fillRef idx="1">
+            <a:schemeClr val="accent1"/>
+          </a:fillRef>
+          <a:effectRef idx="0">
+            <a:schemeClr val="accent1"/>
+          </a:effectRef>
+          <a:fontRef idx="minor">
+            <a:schemeClr val="lt1"/>
+          </a:fontRef>
+        </p:style>
+        <p:txBody>
+          <a:bodyPr rtlCol="0" anchor="ctr"/>
+          <a:lstStyle/>
+          <a:p>
+            <a:pPr algn="ctr"/>
+            <a:endParaRPr lang="en-SG"/>
+          </a:p>
+        </p:txBody>
+      </p:sp>
+      <p:sp>
+        <p:nvSpPr>
+          <p:cNvPr id="15" name="TextBox 14">
+            <a:extLst>
+              <a:ext uri="{FF2B5EF4-FFF2-40B4-BE49-F238E27FC236}">
+                <a16:creationId xmlns:a16="http://schemas.microsoft.com/office/drawing/2014/main" id="{C782A21F-4819-C378-DAC2-E22A72FC9FEB}"/>
+              </a:ext>
+            </a:extLst>
+          </p:cNvPr>
+          <p:cNvSpPr txBox="1"/>
+          <p:nvPr/>
+        </p:nvSpPr>
+        <p:spPr>
+          <a:xfrm>
+            <a:off x="5278779" y="4623382"/>
+            <a:ext cx="449162" cy="369332"/>
+          </a:xfrm>
+          <a:prstGeom prst="rect">
+            <a:avLst/>
+          </a:prstGeom>
+          <a:noFill/>
+        </p:spPr>
+        <p:txBody>
+          <a:bodyPr wrap="none" rtlCol="0">
+            <a:spAutoFit/>
+          </a:bodyPr>
+          <a:lstStyle/>
+          <a:p>
+            <a:r>
+              <a:rPr lang="en-SG" dirty="0"/>
+              <a:t>(</a:t>
+            </a:r>
+            <a:r>
+              <a:rPr lang="en-US" altLang="zh-CN" dirty="0"/>
+              <a:t>b</a:t>
+            </a:r>
+            <a:r>
+              <a:rPr lang="en-SG" dirty="0"/>
+              <a:t>)</a:t>
+            </a:r>
+          </a:p>
+        </p:txBody>
+      </p:sp>
+      <p:sp>
+        <p:nvSpPr>
+          <p:cNvPr id="16" name="TextBox 15">
+            <a:extLst>
+              <a:ext uri="{FF2B5EF4-FFF2-40B4-BE49-F238E27FC236}">
+                <a16:creationId xmlns:a16="http://schemas.microsoft.com/office/drawing/2014/main" id="{7E9F84B6-99BA-FE3C-E1EA-9BC8E5B4730C}"/>
+              </a:ext>
+            </a:extLst>
+          </p:cNvPr>
+          <p:cNvSpPr txBox="1"/>
+          <p:nvPr/>
+        </p:nvSpPr>
+        <p:spPr>
+          <a:xfrm>
+            <a:off x="1693996" y="4622600"/>
+            <a:ext cx="442172" cy="369332"/>
+          </a:xfrm>
+          <a:prstGeom prst="rect">
+            <a:avLst/>
+          </a:prstGeom>
+          <a:noFill/>
+        </p:spPr>
+        <p:txBody>
+          <a:bodyPr wrap="none" rtlCol="0">
+            <a:spAutoFit/>
+          </a:bodyPr>
+          <a:lstStyle/>
+          <a:p>
+            <a:r>
+              <a:rPr lang="en-SG" dirty="0"/>
+              <a:t>(a)</a:t>
+            </a:r>
+          </a:p>
+        </p:txBody>
+      </p:sp>
+      <p:sp>
+        <p:nvSpPr>
+          <p:cNvPr id="17" name="TextBox 16">
+            <a:extLst>
+              <a:ext uri="{FF2B5EF4-FFF2-40B4-BE49-F238E27FC236}">
+                <a16:creationId xmlns:a16="http://schemas.microsoft.com/office/drawing/2014/main" id="{0870709D-F2B5-7B97-86B5-90BC960F0DFD}"/>
+              </a:ext>
+            </a:extLst>
+          </p:cNvPr>
+          <p:cNvSpPr txBox="1"/>
+          <p:nvPr/>
+        </p:nvSpPr>
+        <p:spPr>
+          <a:xfrm>
+            <a:off x="9899662" y="4622600"/>
+            <a:ext cx="441146" cy="369332"/>
+          </a:xfrm>
+          <a:prstGeom prst="rect">
+            <a:avLst/>
+          </a:prstGeom>
+          <a:noFill/>
+        </p:spPr>
+        <p:txBody>
+          <a:bodyPr wrap="none" rtlCol="0">
+            <a:spAutoFit/>
+          </a:bodyPr>
+          <a:lstStyle/>
+          <a:p>
+            <a:r>
+              <a:rPr lang="en-SG" dirty="0"/>
+              <a:t>(</a:t>
+            </a:r>
+            <a:r>
+              <a:rPr lang="en-US" altLang="zh-CN" dirty="0"/>
+              <a:t>c</a:t>
+            </a:r>
+            <a:r>
+              <a:rPr lang="en-SG" dirty="0"/>
+              <a:t>)</a:t>
+            </a:r>
+          </a:p>
+        </p:txBody>
+      </p:sp>
+    </p:spTree>
+    <p:extLst>
+      <p:ext uri="{BB962C8B-B14F-4D97-AF65-F5344CB8AC3E}">
+        <p14:creationId xmlns:p14="http://schemas.microsoft.com/office/powerpoint/2010/main" val="1777897000"/>
+      </p:ext>
+    </p:extLst>
+  </p:cSld>
+  <p:clrMapOvr>
+    <a:masterClrMapping/>
+  </p:clrMapOvr>
+</p:sld>
+</file>
+
+<file path=ppt/slides/slide8.xml><?xml version="1.0" encoding="utf-8"?>
+<p:sld xmlns:a="http://schemas.openxmlformats.org/drawingml/2006/main" xmlns:r="http://schemas.openxmlformats.org/officeDocument/2006/relationships" xmlns:p="http://schemas.openxmlformats.org/presentationml/2006/main">
+  <p:cSld>
+    <p:spTree>
+      <p:nvGrpSpPr>
+        <p:cNvPr id="1" name=""/>
+        <p:cNvGrpSpPr/>
+        <p:nvPr/>
+      </p:nvGrpSpPr>
+      <p:grpSpPr>
+        <a:xfrm>
+          <a:off x="0" y="0"/>
+          <a:ext cx="0" cy="0"/>
+          <a:chOff x="0" y="0"/>
+          <a:chExt cx="0" cy="0"/>
+        </a:xfrm>
+      </p:grpSpPr>
+      <p:sp>
+        <p:nvSpPr>
+          <p:cNvPr id="6" name="Rectangle 5">
+            <a:extLst>
+              <a:ext uri="{FF2B5EF4-FFF2-40B4-BE49-F238E27FC236}">
+                <a16:creationId xmlns:a16="http://schemas.microsoft.com/office/drawing/2014/main" id="{ED833B31-6F6D-E5ED-973D-086685100BC3}"/>
+              </a:ext>
+            </a:extLst>
+          </p:cNvPr>
+          <p:cNvSpPr/>
+          <p:nvPr/>
+        </p:nvSpPr>
+        <p:spPr>
+          <a:xfrm>
+            <a:off x="2961943" y="97232"/>
+            <a:ext cx="5069245" cy="309066"/>
+          </a:xfrm>
+          <a:prstGeom prst="rect">
+            <a:avLst/>
+          </a:prstGeom>
+          <a:solidFill>
+            <a:schemeClr val="bg1"/>
+          </a:solidFill>
+          <a:ln>
+            <a:noFill/>
+          </a:ln>
+        </p:spPr>
+        <p:style>
+          <a:lnRef idx="2">
+            <a:schemeClr val="accent1">
+              <a:shade val="15000"/>
+            </a:schemeClr>
+          </a:lnRef>
+          <a:fillRef idx="1">
+            <a:schemeClr val="accent1"/>
+          </a:fillRef>
+          <a:effectRef idx="0">
+            <a:schemeClr val="accent1"/>
+          </a:effectRef>
+          <a:fontRef idx="minor">
+            <a:schemeClr val="lt1"/>
+          </a:fontRef>
+        </p:style>
+        <p:txBody>
+          <a:bodyPr rtlCol="0" anchor="ctr"/>
+          <a:lstStyle/>
+          <a:p>
+            <a:pPr algn="ctr"/>
+            <a:endParaRPr lang="en-SG"/>
+          </a:p>
+        </p:txBody>
+      </p:sp>
+      <p:sp>
+        <p:nvSpPr>
+          <p:cNvPr id="2" name="TextBox 1">
+            <a:extLst>
+              <a:ext uri="{FF2B5EF4-FFF2-40B4-BE49-F238E27FC236}">
+                <a16:creationId xmlns:a16="http://schemas.microsoft.com/office/drawing/2014/main" id="{7E854A22-F266-D6B1-A2A4-CAF997764FC9}"/>
+              </a:ext>
+            </a:extLst>
+          </p:cNvPr>
+          <p:cNvSpPr txBox="1"/>
+          <p:nvPr/>
+        </p:nvSpPr>
+        <p:spPr>
+          <a:xfrm>
+            <a:off x="9926875" y="723184"/>
+            <a:ext cx="1335366" cy="369332"/>
+          </a:xfrm>
+          <a:prstGeom prst="rect">
+            <a:avLst/>
+          </a:prstGeom>
+          <a:noFill/>
+        </p:spPr>
+        <p:txBody>
+          <a:bodyPr wrap="none" rtlCol="0">
+            <a:spAutoFit/>
+          </a:bodyPr>
+          <a:lstStyle/>
+          <a:p>
+            <a:r>
+              <a:rPr lang="en-SG" dirty="0"/>
+              <a:t>Normalized</a:t>
+            </a:r>
+          </a:p>
+        </p:txBody>
+      </p:sp>
+    </p:spTree>
+    <p:extLst>
+      <p:ext uri="{BB962C8B-B14F-4D97-AF65-F5344CB8AC3E}">
+        <p14:creationId xmlns:p14="http://schemas.microsoft.com/office/powerpoint/2010/main" val="1697537497"/>
       </p:ext>
     </p:extLst>
   </p:cSld>
